--- a/subjects/WWW/Bazy danych - 2 zajęcia.pptx
+++ b/subjects/WWW/Bazy danych - 2 zajęcia.pptx
@@ -8,7 +8,7 @@
     <p:notesMasterId r:id="rId19"/>
   </p:notesMasterIdLst>
   <p:sldIdLst>
-    <p:sldId id="256" r:id="rId2"/>
+    <p:sldId id="381" r:id="rId2"/>
     <p:sldId id="336" r:id="rId3"/>
     <p:sldId id="291" r:id="rId4"/>
     <p:sldId id="358" r:id="rId5"/>
@@ -131,396 +131,350 @@
 </p:presentation>
 </file>
 
-<file path=ppt/revisionInfo.xml><?xml version="1.0" encoding="utf-8"?>
-<p1510:revInfo xmlns:a="http://schemas.openxmlformats.org/drawingml/2006/main" xmlns:r="http://schemas.openxmlformats.org/officeDocument/2006/relationships" xmlns:p1510="http://schemas.microsoft.com/office/powerpoint/2015/10/main">
-  <p1510:revLst>
-    <p1510:client id="{3298C733-EA56-44BD-B82F-19114443C032}" v="317" dt="2024-01-30T22:26:31.069"/>
-    <p1510:client id="{B6AC5C71-8B39-496D-98FE-C0B53590B329}" v="6" dt="2024-01-31T08:39:12.544"/>
-  </p1510:revLst>
-</p1510:revInfo>
-</file>
-
 <file path=ppt/changesInfos/changesInfo1.xml><?xml version="1.0" encoding="utf-8"?>
 <pc:chgInfo xmlns:a="http://schemas.openxmlformats.org/drawingml/2006/main" xmlns:r="http://schemas.openxmlformats.org/officeDocument/2006/relationships" xmlns:ac="http://schemas.microsoft.com/office/drawing/2013/main/command" xmlns:pc="http://schemas.microsoft.com/office/powerpoint/2013/main/command">
   <pc:docChgLst>
-    <pc:chgData name="Patryk Serafin" userId="86fa742248e137ce" providerId="LiveId" clId="{2DFCD0C9-018B-4AB9-819C-591D203A6A2F}"/>
-    <pc:docChg chg="custSel delSld modSld">
-      <pc:chgData name="Patryk Serafin" userId="86fa742248e137ce" providerId="LiveId" clId="{2DFCD0C9-018B-4AB9-819C-591D203A6A2F}" dt="2024-01-30T22:49:50.870" v="14" actId="20577"/>
+    <pc:chgData name="Patryk Serafin" userId="86fa742248e137ce" providerId="LiveId" clId="{9284F644-453D-4DEE-A2B0-268811375D48}"/>
+    <pc:docChg chg="addSld delSld modSld">
+      <pc:chgData name="Patryk Serafin" userId="86fa742248e137ce" providerId="LiveId" clId="{9284F644-453D-4DEE-A2B0-268811375D48}" dt="2024-01-31T08:39:48.320" v="4" actId="47"/>
       <pc:docMkLst>
         <pc:docMk/>
       </pc:docMkLst>
-      <pc:sldChg chg="modSp mod">
-        <pc:chgData name="Patryk Serafin" userId="86fa742248e137ce" providerId="LiveId" clId="{2DFCD0C9-018B-4AB9-819C-591D203A6A2F}" dt="2024-01-30T22:41:17.503" v="3" actId="27636"/>
+      <pc:sldChg chg="del">
+        <pc:chgData name="Patryk Serafin" userId="86fa742248e137ce" providerId="LiveId" clId="{9284F644-453D-4DEE-A2B0-268811375D48}" dt="2024-01-31T08:39:48.320" v="4" actId="47"/>
         <pc:sldMkLst>
           <pc:docMk/>
           <pc:sldMk cId="2421352655" sldId="256"/>
         </pc:sldMkLst>
-        <pc:spChg chg="mod">
-          <ac:chgData name="Patryk Serafin" userId="86fa742248e137ce" providerId="LiveId" clId="{2DFCD0C9-018B-4AB9-819C-591D203A6A2F}" dt="2024-01-30T22:41:17.503" v="3" actId="27636"/>
-          <ac:spMkLst>
-            <pc:docMk/>
-            <pc:sldMk cId="2421352655" sldId="256"/>
-            <ac:spMk id="3" creationId="{F092CA79-CC0B-23E4-AB82-87274587D9EC}"/>
-          </ac:spMkLst>
-        </pc:spChg>
       </pc:sldChg>
+      <pc:sldChg chg="add">
+        <pc:chgData name="Patryk Serafin" userId="86fa742248e137ce" providerId="LiveId" clId="{9284F644-453D-4DEE-A2B0-268811375D48}" dt="2024-01-31T08:39:46.694" v="3"/>
+        <pc:sldMkLst>
+          <pc:docMk/>
+          <pc:sldMk cId="1578271858" sldId="381"/>
+        </pc:sldMkLst>
+      </pc:sldChg>
+      <pc:sldChg chg="addSp delSp add del setBg delDesignElem">
+        <pc:chgData name="Patryk Serafin" userId="86fa742248e137ce" providerId="LiveId" clId="{9284F644-453D-4DEE-A2B0-268811375D48}" dt="2024-01-31T08:39:46.679" v="2"/>
+        <pc:sldMkLst>
+          <pc:docMk/>
+          <pc:sldMk cId="2107130423" sldId="381"/>
+        </pc:sldMkLst>
+        <pc:spChg chg="add del">
+          <ac:chgData name="Patryk Serafin" userId="86fa742248e137ce" providerId="LiveId" clId="{9284F644-453D-4DEE-A2B0-268811375D48}" dt="2024-01-31T08:39:46.679" v="2"/>
+          <ac:spMkLst>
+            <pc:docMk/>
+            <pc:sldMk cId="2107130423" sldId="381"/>
+            <ac:spMk id="36" creationId="{7A875D55-4A80-43E9-38F6-27E3664939B0}"/>
+          </ac:spMkLst>
+        </pc:spChg>
+        <pc:spChg chg="add del">
+          <ac:chgData name="Patryk Serafin" userId="86fa742248e137ce" providerId="LiveId" clId="{9284F644-453D-4DEE-A2B0-268811375D48}" dt="2024-01-31T08:39:46.679" v="2"/>
+          <ac:spMkLst>
+            <pc:docMk/>
+            <pc:sldMk cId="2107130423" sldId="381"/>
+            <ac:spMk id="38" creationId="{3D572980-FB84-8C29-1FAC-FAC5ECE29A39}"/>
+          </ac:spMkLst>
+        </pc:spChg>
+      </pc:sldChg>
+    </pc:docChg>
+  </pc:docChgLst>
+  <pc:docChgLst>
+    <pc:chgData name="Patryk Serafin" userId="86fa742248e137ce" providerId="LiveId" clId="{2AF29E06-C5E3-40C0-B040-E9E4DBA0DF69}"/>
+    <pc:docChg chg="delSld">
+      <pc:chgData name="Patryk Serafin" userId="86fa742248e137ce" providerId="LiveId" clId="{2AF29E06-C5E3-40C0-B040-E9E4DBA0DF69}" dt="2024-02-04T12:49:47.917" v="1" actId="47"/>
+      <pc:docMkLst>
+        <pc:docMk/>
+      </pc:docMkLst>
       <pc:sldChg chg="del">
-        <pc:chgData name="Patryk Serafin" userId="86fa742248e137ce" providerId="LiveId" clId="{2DFCD0C9-018B-4AB9-819C-591D203A6A2F}" dt="2024-01-30T22:37:11.563" v="0" actId="47"/>
+        <pc:chgData name="Patryk Serafin" userId="86fa742248e137ce" providerId="LiveId" clId="{2AF29E06-C5E3-40C0-B040-E9E4DBA0DF69}" dt="2024-02-04T12:49:36.730" v="0" actId="47"/>
         <pc:sldMkLst>
           <pc:docMk/>
           <pc:sldMk cId="1299242876" sldId="257"/>
         </pc:sldMkLst>
       </pc:sldChg>
       <pc:sldChg chg="del">
-        <pc:chgData name="Patryk Serafin" userId="86fa742248e137ce" providerId="LiveId" clId="{2DFCD0C9-018B-4AB9-819C-591D203A6A2F}" dt="2024-01-30T22:37:11.563" v="0" actId="47"/>
+        <pc:chgData name="Patryk Serafin" userId="86fa742248e137ce" providerId="LiveId" clId="{2AF29E06-C5E3-40C0-B040-E9E4DBA0DF69}" dt="2024-02-04T12:49:36.730" v="0" actId="47"/>
         <pc:sldMkLst>
           <pc:docMk/>
           <pc:sldMk cId="3635486650" sldId="267"/>
         </pc:sldMkLst>
       </pc:sldChg>
       <pc:sldChg chg="del">
-        <pc:chgData name="Patryk Serafin" userId="86fa742248e137ce" providerId="LiveId" clId="{2DFCD0C9-018B-4AB9-819C-591D203A6A2F}" dt="2024-01-30T22:37:20.780" v="1" actId="47"/>
+        <pc:chgData name="Patryk Serafin" userId="86fa742248e137ce" providerId="LiveId" clId="{2AF29E06-C5E3-40C0-B040-E9E4DBA0DF69}" dt="2024-02-04T12:49:47.917" v="1" actId="47"/>
         <pc:sldMkLst>
           <pc:docMk/>
           <pc:sldMk cId="2285479768" sldId="281"/>
         </pc:sldMkLst>
       </pc:sldChg>
       <pc:sldChg chg="del">
-        <pc:chgData name="Patryk Serafin" userId="86fa742248e137ce" providerId="LiveId" clId="{2DFCD0C9-018B-4AB9-819C-591D203A6A2F}" dt="2024-01-30T22:37:20.780" v="1" actId="47"/>
+        <pc:chgData name="Patryk Serafin" userId="86fa742248e137ce" providerId="LiveId" clId="{2AF29E06-C5E3-40C0-B040-E9E4DBA0DF69}" dt="2024-02-04T12:49:47.917" v="1" actId="47"/>
         <pc:sldMkLst>
           <pc:docMk/>
           <pc:sldMk cId="1193503798" sldId="284"/>
         </pc:sldMkLst>
       </pc:sldChg>
       <pc:sldChg chg="del">
-        <pc:chgData name="Patryk Serafin" userId="86fa742248e137ce" providerId="LiveId" clId="{2DFCD0C9-018B-4AB9-819C-591D203A6A2F}" dt="2024-01-30T22:37:20.780" v="1" actId="47"/>
+        <pc:chgData name="Patryk Serafin" userId="86fa742248e137ce" providerId="LiveId" clId="{2AF29E06-C5E3-40C0-B040-E9E4DBA0DF69}" dt="2024-02-04T12:49:47.917" v="1" actId="47"/>
         <pc:sldMkLst>
           <pc:docMk/>
           <pc:sldMk cId="522012961" sldId="285"/>
         </pc:sldMkLst>
       </pc:sldChg>
       <pc:sldChg chg="del">
-        <pc:chgData name="Patryk Serafin" userId="86fa742248e137ce" providerId="LiveId" clId="{2DFCD0C9-018B-4AB9-819C-591D203A6A2F}" dt="2024-01-30T22:37:20.780" v="1" actId="47"/>
+        <pc:chgData name="Patryk Serafin" userId="86fa742248e137ce" providerId="LiveId" clId="{2AF29E06-C5E3-40C0-B040-E9E4DBA0DF69}" dt="2024-02-04T12:49:47.917" v="1" actId="47"/>
         <pc:sldMkLst>
           <pc:docMk/>
           <pc:sldMk cId="188700031" sldId="286"/>
         </pc:sldMkLst>
       </pc:sldChg>
       <pc:sldChg chg="del">
-        <pc:chgData name="Patryk Serafin" userId="86fa742248e137ce" providerId="LiveId" clId="{2DFCD0C9-018B-4AB9-819C-591D203A6A2F}" dt="2024-01-30T22:37:20.780" v="1" actId="47"/>
+        <pc:chgData name="Patryk Serafin" userId="86fa742248e137ce" providerId="LiveId" clId="{2AF29E06-C5E3-40C0-B040-E9E4DBA0DF69}" dt="2024-02-04T12:49:47.917" v="1" actId="47"/>
         <pc:sldMkLst>
           <pc:docMk/>
           <pc:sldMk cId="4247694359" sldId="287"/>
         </pc:sldMkLst>
       </pc:sldChg>
       <pc:sldChg chg="del">
-        <pc:chgData name="Patryk Serafin" userId="86fa742248e137ce" providerId="LiveId" clId="{2DFCD0C9-018B-4AB9-819C-591D203A6A2F}" dt="2024-01-30T22:37:20.780" v="1" actId="47"/>
+        <pc:chgData name="Patryk Serafin" userId="86fa742248e137ce" providerId="LiveId" clId="{2AF29E06-C5E3-40C0-B040-E9E4DBA0DF69}" dt="2024-02-04T12:49:47.917" v="1" actId="47"/>
         <pc:sldMkLst>
           <pc:docMk/>
           <pc:sldMk cId="848335432" sldId="288"/>
         </pc:sldMkLst>
       </pc:sldChg>
       <pc:sldChg chg="del">
-        <pc:chgData name="Patryk Serafin" userId="86fa742248e137ce" providerId="LiveId" clId="{2DFCD0C9-018B-4AB9-819C-591D203A6A2F}" dt="2024-01-30T22:37:20.780" v="1" actId="47"/>
+        <pc:chgData name="Patryk Serafin" userId="86fa742248e137ce" providerId="LiveId" clId="{2AF29E06-C5E3-40C0-B040-E9E4DBA0DF69}" dt="2024-02-04T12:49:47.917" v="1" actId="47"/>
         <pc:sldMkLst>
           <pc:docMk/>
           <pc:sldMk cId="2066349234" sldId="289"/>
         </pc:sldMkLst>
       </pc:sldChg>
       <pc:sldChg chg="del">
-        <pc:chgData name="Patryk Serafin" userId="86fa742248e137ce" providerId="LiveId" clId="{2DFCD0C9-018B-4AB9-819C-591D203A6A2F}" dt="2024-01-30T22:37:11.563" v="0" actId="47"/>
+        <pc:chgData name="Patryk Serafin" userId="86fa742248e137ce" providerId="LiveId" clId="{2AF29E06-C5E3-40C0-B040-E9E4DBA0DF69}" dt="2024-02-04T12:49:36.730" v="0" actId="47"/>
         <pc:sldMkLst>
           <pc:docMk/>
           <pc:sldMk cId="3640115069" sldId="290"/>
         </pc:sldMkLst>
       </pc:sldChg>
-      <pc:sldChg chg="modSp mod">
-        <pc:chgData name="Patryk Serafin" userId="86fa742248e137ce" providerId="LiveId" clId="{2DFCD0C9-018B-4AB9-819C-591D203A6A2F}" dt="2024-01-30T22:43:34.459" v="9" actId="20577"/>
-        <pc:sldMkLst>
-          <pc:docMk/>
-          <pc:sldMk cId="3115832531" sldId="291"/>
-        </pc:sldMkLst>
-        <pc:spChg chg="mod">
-          <ac:chgData name="Patryk Serafin" userId="86fa742248e137ce" providerId="LiveId" clId="{2DFCD0C9-018B-4AB9-819C-591D203A6A2F}" dt="2024-01-30T22:43:34.459" v="9" actId="20577"/>
-          <ac:spMkLst>
-            <pc:docMk/>
-            <pc:sldMk cId="3115832531" sldId="291"/>
-            <ac:spMk id="4" creationId="{D5CB7B58-FC73-794F-F648-86931DDC8D03}"/>
-          </ac:spMkLst>
-        </pc:spChg>
-      </pc:sldChg>
-      <pc:sldChg chg="modSp mod">
-        <pc:chgData name="Patryk Serafin" userId="86fa742248e137ce" providerId="LiveId" clId="{2DFCD0C9-018B-4AB9-819C-591D203A6A2F}" dt="2024-01-30T22:43:38.468" v="10" actId="20577"/>
-        <pc:sldMkLst>
-          <pc:docMk/>
-          <pc:sldMk cId="1777602640" sldId="292"/>
-        </pc:sldMkLst>
-        <pc:spChg chg="mod">
-          <ac:chgData name="Patryk Serafin" userId="86fa742248e137ce" providerId="LiveId" clId="{2DFCD0C9-018B-4AB9-819C-591D203A6A2F}" dt="2024-01-30T22:43:38.468" v="10" actId="20577"/>
-          <ac:spMkLst>
-            <pc:docMk/>
-            <pc:sldMk cId="1777602640" sldId="292"/>
-            <ac:spMk id="4" creationId="{D5CB7B58-FC73-794F-F648-86931DDC8D03}"/>
-          </ac:spMkLst>
-        </pc:spChg>
-      </pc:sldChg>
-      <pc:sldChg chg="modSp mod">
-        <pc:chgData name="Patryk Serafin" userId="86fa742248e137ce" providerId="LiveId" clId="{2DFCD0C9-018B-4AB9-819C-591D203A6A2F}" dt="2024-01-30T22:49:50.870" v="14" actId="20577"/>
-        <pc:sldMkLst>
-          <pc:docMk/>
-          <pc:sldMk cId="64165896" sldId="293"/>
-        </pc:sldMkLst>
-        <pc:spChg chg="mod">
-          <ac:chgData name="Patryk Serafin" userId="86fa742248e137ce" providerId="LiveId" clId="{2DFCD0C9-018B-4AB9-819C-591D203A6A2F}" dt="2024-01-30T22:49:50.870" v="14" actId="20577"/>
-          <ac:spMkLst>
-            <pc:docMk/>
-            <pc:sldMk cId="64165896" sldId="293"/>
-            <ac:spMk id="4" creationId="{D5CB7B58-FC73-794F-F648-86931DDC8D03}"/>
-          </ac:spMkLst>
-        </pc:spChg>
-      </pc:sldChg>
       <pc:sldChg chg="del">
-        <pc:chgData name="Patryk Serafin" userId="86fa742248e137ce" providerId="LiveId" clId="{2DFCD0C9-018B-4AB9-819C-591D203A6A2F}" dt="2024-01-30T22:37:20.780" v="1" actId="47"/>
+        <pc:chgData name="Patryk Serafin" userId="86fa742248e137ce" providerId="LiveId" clId="{2AF29E06-C5E3-40C0-B040-E9E4DBA0DF69}" dt="2024-02-04T12:49:47.917" v="1" actId="47"/>
         <pc:sldMkLst>
           <pc:docMk/>
           <pc:sldMk cId="1539200991" sldId="294"/>
         </pc:sldMkLst>
       </pc:sldChg>
       <pc:sldChg chg="del">
-        <pc:chgData name="Patryk Serafin" userId="86fa742248e137ce" providerId="LiveId" clId="{2DFCD0C9-018B-4AB9-819C-591D203A6A2F}" dt="2024-01-30T22:37:20.780" v="1" actId="47"/>
+        <pc:chgData name="Patryk Serafin" userId="86fa742248e137ce" providerId="LiveId" clId="{2AF29E06-C5E3-40C0-B040-E9E4DBA0DF69}" dt="2024-02-04T12:49:47.917" v="1" actId="47"/>
         <pc:sldMkLst>
           <pc:docMk/>
           <pc:sldMk cId="2488230557" sldId="295"/>
         </pc:sldMkLst>
       </pc:sldChg>
       <pc:sldChg chg="del">
-        <pc:chgData name="Patryk Serafin" userId="86fa742248e137ce" providerId="LiveId" clId="{2DFCD0C9-018B-4AB9-819C-591D203A6A2F}" dt="2024-01-30T22:37:20.780" v="1" actId="47"/>
+        <pc:chgData name="Patryk Serafin" userId="86fa742248e137ce" providerId="LiveId" clId="{2AF29E06-C5E3-40C0-B040-E9E4DBA0DF69}" dt="2024-02-04T12:49:47.917" v="1" actId="47"/>
         <pc:sldMkLst>
           <pc:docMk/>
           <pc:sldMk cId="1490490431" sldId="296"/>
         </pc:sldMkLst>
       </pc:sldChg>
       <pc:sldChg chg="del">
-        <pc:chgData name="Patryk Serafin" userId="86fa742248e137ce" providerId="LiveId" clId="{2DFCD0C9-018B-4AB9-819C-591D203A6A2F}" dt="2024-01-30T22:37:20.780" v="1" actId="47"/>
+        <pc:chgData name="Patryk Serafin" userId="86fa742248e137ce" providerId="LiveId" clId="{2AF29E06-C5E3-40C0-B040-E9E4DBA0DF69}" dt="2024-02-04T12:49:47.917" v="1" actId="47"/>
         <pc:sldMkLst>
           <pc:docMk/>
           <pc:sldMk cId="1395509342" sldId="297"/>
         </pc:sldMkLst>
       </pc:sldChg>
       <pc:sldChg chg="del">
-        <pc:chgData name="Patryk Serafin" userId="86fa742248e137ce" providerId="LiveId" clId="{2DFCD0C9-018B-4AB9-819C-591D203A6A2F}" dt="2024-01-30T22:37:20.780" v="1" actId="47"/>
+        <pc:chgData name="Patryk Serafin" userId="86fa742248e137ce" providerId="LiveId" clId="{2AF29E06-C5E3-40C0-B040-E9E4DBA0DF69}" dt="2024-02-04T12:49:47.917" v="1" actId="47"/>
         <pc:sldMkLst>
           <pc:docMk/>
           <pc:sldMk cId="2607788598" sldId="298"/>
         </pc:sldMkLst>
       </pc:sldChg>
       <pc:sldChg chg="del">
-        <pc:chgData name="Patryk Serafin" userId="86fa742248e137ce" providerId="LiveId" clId="{2DFCD0C9-018B-4AB9-819C-591D203A6A2F}" dt="2024-01-30T22:37:20.780" v="1" actId="47"/>
+        <pc:chgData name="Patryk Serafin" userId="86fa742248e137ce" providerId="LiveId" clId="{2AF29E06-C5E3-40C0-B040-E9E4DBA0DF69}" dt="2024-02-04T12:49:47.917" v="1" actId="47"/>
         <pc:sldMkLst>
           <pc:docMk/>
           <pc:sldMk cId="80568656" sldId="299"/>
         </pc:sldMkLst>
       </pc:sldChg>
       <pc:sldChg chg="del">
-        <pc:chgData name="Patryk Serafin" userId="86fa742248e137ce" providerId="LiveId" clId="{2DFCD0C9-018B-4AB9-819C-591D203A6A2F}" dt="2024-01-30T22:37:20.780" v="1" actId="47"/>
+        <pc:chgData name="Patryk Serafin" userId="86fa742248e137ce" providerId="LiveId" clId="{2AF29E06-C5E3-40C0-B040-E9E4DBA0DF69}" dt="2024-02-04T12:49:47.917" v="1" actId="47"/>
         <pc:sldMkLst>
           <pc:docMk/>
           <pc:sldMk cId="78985000" sldId="300"/>
         </pc:sldMkLst>
       </pc:sldChg>
       <pc:sldChg chg="del">
-        <pc:chgData name="Patryk Serafin" userId="86fa742248e137ce" providerId="LiveId" clId="{2DFCD0C9-018B-4AB9-819C-591D203A6A2F}" dt="2024-01-30T22:37:20.780" v="1" actId="47"/>
+        <pc:chgData name="Patryk Serafin" userId="86fa742248e137ce" providerId="LiveId" clId="{2AF29E06-C5E3-40C0-B040-E9E4DBA0DF69}" dt="2024-02-04T12:49:47.917" v="1" actId="47"/>
         <pc:sldMkLst>
           <pc:docMk/>
           <pc:sldMk cId="758177806" sldId="301"/>
         </pc:sldMkLst>
       </pc:sldChg>
       <pc:sldChg chg="del">
-        <pc:chgData name="Patryk Serafin" userId="86fa742248e137ce" providerId="LiveId" clId="{2DFCD0C9-018B-4AB9-819C-591D203A6A2F}" dt="2024-01-30T22:37:20.780" v="1" actId="47"/>
+        <pc:chgData name="Patryk Serafin" userId="86fa742248e137ce" providerId="LiveId" clId="{2AF29E06-C5E3-40C0-B040-E9E4DBA0DF69}" dt="2024-02-04T12:49:47.917" v="1" actId="47"/>
         <pc:sldMkLst>
           <pc:docMk/>
           <pc:sldMk cId="2199598623" sldId="302"/>
         </pc:sldMkLst>
       </pc:sldChg>
       <pc:sldChg chg="del">
-        <pc:chgData name="Patryk Serafin" userId="86fa742248e137ce" providerId="LiveId" clId="{2DFCD0C9-018B-4AB9-819C-591D203A6A2F}" dt="2024-01-30T22:37:20.780" v="1" actId="47"/>
+        <pc:chgData name="Patryk Serafin" userId="86fa742248e137ce" providerId="LiveId" clId="{2AF29E06-C5E3-40C0-B040-E9E4DBA0DF69}" dt="2024-02-04T12:49:47.917" v="1" actId="47"/>
         <pc:sldMkLst>
           <pc:docMk/>
           <pc:sldMk cId="2922012136" sldId="303"/>
         </pc:sldMkLst>
       </pc:sldChg>
       <pc:sldChg chg="del">
-        <pc:chgData name="Patryk Serafin" userId="86fa742248e137ce" providerId="LiveId" clId="{2DFCD0C9-018B-4AB9-819C-591D203A6A2F}" dt="2024-01-30T22:37:20.780" v="1" actId="47"/>
+        <pc:chgData name="Patryk Serafin" userId="86fa742248e137ce" providerId="LiveId" clId="{2AF29E06-C5E3-40C0-B040-E9E4DBA0DF69}" dt="2024-02-04T12:49:47.917" v="1" actId="47"/>
         <pc:sldMkLst>
           <pc:docMk/>
           <pc:sldMk cId="3067300260" sldId="328"/>
         </pc:sldMkLst>
       </pc:sldChg>
       <pc:sldChg chg="del">
-        <pc:chgData name="Patryk Serafin" userId="86fa742248e137ce" providerId="LiveId" clId="{2DFCD0C9-018B-4AB9-819C-591D203A6A2F}" dt="2024-01-30T22:37:20.780" v="1" actId="47"/>
+        <pc:chgData name="Patryk Serafin" userId="86fa742248e137ce" providerId="LiveId" clId="{2AF29E06-C5E3-40C0-B040-E9E4DBA0DF69}" dt="2024-02-04T12:49:47.917" v="1" actId="47"/>
         <pc:sldMkLst>
           <pc:docMk/>
           <pc:sldMk cId="3105423532" sldId="329"/>
         </pc:sldMkLst>
       </pc:sldChg>
       <pc:sldChg chg="del">
-        <pc:chgData name="Patryk Serafin" userId="86fa742248e137ce" providerId="LiveId" clId="{2DFCD0C9-018B-4AB9-819C-591D203A6A2F}" dt="2024-01-30T22:37:20.780" v="1" actId="47"/>
+        <pc:chgData name="Patryk Serafin" userId="86fa742248e137ce" providerId="LiveId" clId="{2AF29E06-C5E3-40C0-B040-E9E4DBA0DF69}" dt="2024-02-04T12:49:47.917" v="1" actId="47"/>
         <pc:sldMkLst>
           <pc:docMk/>
           <pc:sldMk cId="2953213920" sldId="330"/>
         </pc:sldMkLst>
       </pc:sldChg>
       <pc:sldChg chg="del">
-        <pc:chgData name="Patryk Serafin" userId="86fa742248e137ce" providerId="LiveId" clId="{2DFCD0C9-018B-4AB9-819C-591D203A6A2F}" dt="2024-01-30T22:37:20.780" v="1" actId="47"/>
+        <pc:chgData name="Patryk Serafin" userId="86fa742248e137ce" providerId="LiveId" clId="{2AF29E06-C5E3-40C0-B040-E9E4DBA0DF69}" dt="2024-02-04T12:49:47.917" v="1" actId="47"/>
         <pc:sldMkLst>
           <pc:docMk/>
           <pc:sldMk cId="3451375755" sldId="331"/>
         </pc:sldMkLst>
       </pc:sldChg>
       <pc:sldChg chg="del">
-        <pc:chgData name="Patryk Serafin" userId="86fa742248e137ce" providerId="LiveId" clId="{2DFCD0C9-018B-4AB9-819C-591D203A6A2F}" dt="2024-01-30T22:37:20.780" v="1" actId="47"/>
+        <pc:chgData name="Patryk Serafin" userId="86fa742248e137ce" providerId="LiveId" clId="{2AF29E06-C5E3-40C0-B040-E9E4DBA0DF69}" dt="2024-02-04T12:49:47.917" v="1" actId="47"/>
         <pc:sldMkLst>
           <pc:docMk/>
           <pc:sldMk cId="3103524922" sldId="332"/>
         </pc:sldMkLst>
       </pc:sldChg>
       <pc:sldChg chg="del">
-        <pc:chgData name="Patryk Serafin" userId="86fa742248e137ce" providerId="LiveId" clId="{2DFCD0C9-018B-4AB9-819C-591D203A6A2F}" dt="2024-01-30T22:37:20.780" v="1" actId="47"/>
+        <pc:chgData name="Patryk Serafin" userId="86fa742248e137ce" providerId="LiveId" clId="{2AF29E06-C5E3-40C0-B040-E9E4DBA0DF69}" dt="2024-02-04T12:49:47.917" v="1" actId="47"/>
         <pc:sldMkLst>
           <pc:docMk/>
           <pc:sldMk cId="1164664569" sldId="333"/>
         </pc:sldMkLst>
       </pc:sldChg>
       <pc:sldChg chg="del">
-        <pc:chgData name="Patryk Serafin" userId="86fa742248e137ce" providerId="LiveId" clId="{2DFCD0C9-018B-4AB9-819C-591D203A6A2F}" dt="2024-01-30T22:37:20.780" v="1" actId="47"/>
+        <pc:chgData name="Patryk Serafin" userId="86fa742248e137ce" providerId="LiveId" clId="{2AF29E06-C5E3-40C0-B040-E9E4DBA0DF69}" dt="2024-02-04T12:49:47.917" v="1" actId="47"/>
         <pc:sldMkLst>
           <pc:docMk/>
           <pc:sldMk cId="1240097952" sldId="334"/>
         </pc:sldMkLst>
       </pc:sldChg>
       <pc:sldChg chg="del">
-        <pc:chgData name="Patryk Serafin" userId="86fa742248e137ce" providerId="LiveId" clId="{2DFCD0C9-018B-4AB9-819C-591D203A6A2F}" dt="2024-01-30T22:37:20.780" v="1" actId="47"/>
+        <pc:chgData name="Patryk Serafin" userId="86fa742248e137ce" providerId="LiveId" clId="{2AF29E06-C5E3-40C0-B040-E9E4DBA0DF69}" dt="2024-02-04T12:49:47.917" v="1" actId="47"/>
         <pc:sldMkLst>
           <pc:docMk/>
           <pc:sldMk cId="3792520985" sldId="335"/>
         </pc:sldMkLst>
       </pc:sldChg>
-      <pc:sldChg chg="modSp mod">
-        <pc:chgData name="Patryk Serafin" userId="86fa742248e137ce" providerId="LiveId" clId="{2DFCD0C9-018B-4AB9-819C-591D203A6A2F}" dt="2024-01-30T22:43:30.901" v="8" actId="20577"/>
-        <pc:sldMkLst>
-          <pc:docMk/>
-          <pc:sldMk cId="1419307233" sldId="336"/>
-        </pc:sldMkLst>
-        <pc:spChg chg="mod">
-          <ac:chgData name="Patryk Serafin" userId="86fa742248e137ce" providerId="LiveId" clId="{2DFCD0C9-018B-4AB9-819C-591D203A6A2F}" dt="2024-01-30T22:42:09.409" v="4" actId="20577"/>
-          <ac:spMkLst>
-            <pc:docMk/>
-            <pc:sldMk cId="1419307233" sldId="336"/>
-            <ac:spMk id="2" creationId="{CAAA7479-4B7F-6FA1-FB25-29B2B39D614C}"/>
-          </ac:spMkLst>
-        </pc:spChg>
-        <pc:spChg chg="mod">
-          <ac:chgData name="Patryk Serafin" userId="86fa742248e137ce" providerId="LiveId" clId="{2DFCD0C9-018B-4AB9-819C-591D203A6A2F}" dt="2024-01-30T22:43:30.901" v="8" actId="20577"/>
-          <ac:spMkLst>
-            <pc:docMk/>
-            <pc:sldMk cId="1419307233" sldId="336"/>
-            <ac:spMk id="3" creationId="{11AFB673-4EE6-B2CC-A657-604E76AEAF8A}"/>
-          </ac:spMkLst>
-        </pc:spChg>
-      </pc:sldChg>
       <pc:sldChg chg="del">
-        <pc:chgData name="Patryk Serafin" userId="86fa742248e137ce" providerId="LiveId" clId="{2DFCD0C9-018B-4AB9-819C-591D203A6A2F}" dt="2024-01-30T22:37:20.780" v="1" actId="47"/>
+        <pc:chgData name="Patryk Serafin" userId="86fa742248e137ce" providerId="LiveId" clId="{2AF29E06-C5E3-40C0-B040-E9E4DBA0DF69}" dt="2024-02-04T12:49:47.917" v="1" actId="47"/>
         <pc:sldMkLst>
           <pc:docMk/>
           <pc:sldMk cId="3561373349" sldId="337"/>
         </pc:sldMkLst>
       </pc:sldChg>
       <pc:sldChg chg="del">
-        <pc:chgData name="Patryk Serafin" userId="86fa742248e137ce" providerId="LiveId" clId="{2DFCD0C9-018B-4AB9-819C-591D203A6A2F}" dt="2024-01-30T22:37:20.780" v="1" actId="47"/>
+        <pc:chgData name="Patryk Serafin" userId="86fa742248e137ce" providerId="LiveId" clId="{2AF29E06-C5E3-40C0-B040-E9E4DBA0DF69}" dt="2024-02-04T12:49:47.917" v="1" actId="47"/>
         <pc:sldMkLst>
           <pc:docMk/>
           <pc:sldMk cId="3461106496" sldId="338"/>
         </pc:sldMkLst>
       </pc:sldChg>
       <pc:sldChg chg="del">
-        <pc:chgData name="Patryk Serafin" userId="86fa742248e137ce" providerId="LiveId" clId="{2DFCD0C9-018B-4AB9-819C-591D203A6A2F}" dt="2024-01-30T22:37:20.780" v="1" actId="47"/>
+        <pc:chgData name="Patryk Serafin" userId="86fa742248e137ce" providerId="LiveId" clId="{2AF29E06-C5E3-40C0-B040-E9E4DBA0DF69}" dt="2024-02-04T12:49:47.917" v="1" actId="47"/>
         <pc:sldMkLst>
           <pc:docMk/>
           <pc:sldMk cId="2549208066" sldId="339"/>
         </pc:sldMkLst>
       </pc:sldChg>
       <pc:sldChg chg="del">
-        <pc:chgData name="Patryk Serafin" userId="86fa742248e137ce" providerId="LiveId" clId="{2DFCD0C9-018B-4AB9-819C-591D203A6A2F}" dt="2024-01-30T22:37:20.780" v="1" actId="47"/>
+        <pc:chgData name="Patryk Serafin" userId="86fa742248e137ce" providerId="LiveId" clId="{2AF29E06-C5E3-40C0-B040-E9E4DBA0DF69}" dt="2024-02-04T12:49:47.917" v="1" actId="47"/>
         <pc:sldMkLst>
           <pc:docMk/>
           <pc:sldMk cId="4007445916" sldId="340"/>
         </pc:sldMkLst>
       </pc:sldChg>
       <pc:sldChg chg="del">
-        <pc:chgData name="Patryk Serafin" userId="86fa742248e137ce" providerId="LiveId" clId="{2DFCD0C9-018B-4AB9-819C-591D203A6A2F}" dt="2024-01-30T22:37:11.563" v="0" actId="47"/>
+        <pc:chgData name="Patryk Serafin" userId="86fa742248e137ce" providerId="LiveId" clId="{2AF29E06-C5E3-40C0-B040-E9E4DBA0DF69}" dt="2024-02-04T12:49:36.730" v="0" actId="47"/>
         <pc:sldMkLst>
           <pc:docMk/>
           <pc:sldMk cId="2804697960" sldId="342"/>
         </pc:sldMkLst>
       </pc:sldChg>
       <pc:sldChg chg="del">
-        <pc:chgData name="Patryk Serafin" userId="86fa742248e137ce" providerId="LiveId" clId="{2DFCD0C9-018B-4AB9-819C-591D203A6A2F}" dt="2024-01-30T22:37:11.563" v="0" actId="47"/>
+        <pc:chgData name="Patryk Serafin" userId="86fa742248e137ce" providerId="LiveId" clId="{2AF29E06-C5E3-40C0-B040-E9E4DBA0DF69}" dt="2024-02-04T12:49:36.730" v="0" actId="47"/>
         <pc:sldMkLst>
           <pc:docMk/>
           <pc:sldMk cId="1105662468" sldId="343"/>
         </pc:sldMkLst>
       </pc:sldChg>
       <pc:sldChg chg="del">
-        <pc:chgData name="Patryk Serafin" userId="86fa742248e137ce" providerId="LiveId" clId="{2DFCD0C9-018B-4AB9-819C-591D203A6A2F}" dt="2024-01-30T22:37:11.563" v="0" actId="47"/>
+        <pc:chgData name="Patryk Serafin" userId="86fa742248e137ce" providerId="LiveId" clId="{2AF29E06-C5E3-40C0-B040-E9E4DBA0DF69}" dt="2024-02-04T12:49:36.730" v="0" actId="47"/>
         <pc:sldMkLst>
           <pc:docMk/>
           <pc:sldMk cId="1032655442" sldId="345"/>
         </pc:sldMkLst>
       </pc:sldChg>
       <pc:sldChg chg="del">
-        <pc:chgData name="Patryk Serafin" userId="86fa742248e137ce" providerId="LiveId" clId="{2DFCD0C9-018B-4AB9-819C-591D203A6A2F}" dt="2024-01-30T22:37:11.563" v="0" actId="47"/>
+        <pc:chgData name="Patryk Serafin" userId="86fa742248e137ce" providerId="LiveId" clId="{2AF29E06-C5E3-40C0-B040-E9E4DBA0DF69}" dt="2024-02-04T12:49:36.730" v="0" actId="47"/>
         <pc:sldMkLst>
           <pc:docMk/>
           <pc:sldMk cId="4210460240" sldId="347"/>
         </pc:sldMkLst>
       </pc:sldChg>
       <pc:sldChg chg="del">
-        <pc:chgData name="Patryk Serafin" userId="86fa742248e137ce" providerId="LiveId" clId="{2DFCD0C9-018B-4AB9-819C-591D203A6A2F}" dt="2024-01-30T22:37:11.563" v="0" actId="47"/>
+        <pc:chgData name="Patryk Serafin" userId="86fa742248e137ce" providerId="LiveId" clId="{2AF29E06-C5E3-40C0-B040-E9E4DBA0DF69}" dt="2024-02-04T12:49:36.730" v="0" actId="47"/>
         <pc:sldMkLst>
           <pc:docMk/>
           <pc:sldMk cId="1375018303" sldId="348"/>
         </pc:sldMkLst>
       </pc:sldChg>
       <pc:sldChg chg="del">
-        <pc:chgData name="Patryk Serafin" userId="86fa742248e137ce" providerId="LiveId" clId="{2DFCD0C9-018B-4AB9-819C-591D203A6A2F}" dt="2024-01-30T22:37:11.563" v="0" actId="47"/>
+        <pc:chgData name="Patryk Serafin" userId="86fa742248e137ce" providerId="LiveId" clId="{2AF29E06-C5E3-40C0-B040-E9E4DBA0DF69}" dt="2024-02-04T12:49:36.730" v="0" actId="47"/>
         <pc:sldMkLst>
           <pc:docMk/>
           <pc:sldMk cId="306327016" sldId="350"/>
         </pc:sldMkLst>
       </pc:sldChg>
       <pc:sldChg chg="del">
-        <pc:chgData name="Patryk Serafin" userId="86fa742248e137ce" providerId="LiveId" clId="{2DFCD0C9-018B-4AB9-819C-591D203A6A2F}" dt="2024-01-30T22:37:11.563" v="0" actId="47"/>
+        <pc:chgData name="Patryk Serafin" userId="86fa742248e137ce" providerId="LiveId" clId="{2AF29E06-C5E3-40C0-B040-E9E4DBA0DF69}" dt="2024-02-04T12:49:36.730" v="0" actId="47"/>
         <pc:sldMkLst>
           <pc:docMk/>
           <pc:sldMk cId="772389790" sldId="352"/>
         </pc:sldMkLst>
       </pc:sldChg>
       <pc:sldChg chg="del">
-        <pc:chgData name="Patryk Serafin" userId="86fa742248e137ce" providerId="LiveId" clId="{2DFCD0C9-018B-4AB9-819C-591D203A6A2F}" dt="2024-01-30T22:37:11.563" v="0" actId="47"/>
+        <pc:chgData name="Patryk Serafin" userId="86fa742248e137ce" providerId="LiveId" clId="{2AF29E06-C5E3-40C0-B040-E9E4DBA0DF69}" dt="2024-02-04T12:49:36.730" v="0" actId="47"/>
         <pc:sldMkLst>
           <pc:docMk/>
           <pc:sldMk cId="4199631364" sldId="353"/>
         </pc:sldMkLst>
       </pc:sldChg>
       <pc:sldChg chg="del">
-        <pc:chgData name="Patryk Serafin" userId="86fa742248e137ce" providerId="LiveId" clId="{2DFCD0C9-018B-4AB9-819C-591D203A6A2F}" dt="2024-01-30T22:37:11.563" v="0" actId="47"/>
+        <pc:chgData name="Patryk Serafin" userId="86fa742248e137ce" providerId="LiveId" clId="{2AF29E06-C5E3-40C0-B040-E9E4DBA0DF69}" dt="2024-02-04T12:49:36.730" v="0" actId="47"/>
         <pc:sldMkLst>
           <pc:docMk/>
           <pc:sldMk cId="574685674" sldId="355"/>
         </pc:sldMkLst>
       </pc:sldChg>
       <pc:sldChg chg="del">
-        <pc:chgData name="Patryk Serafin" userId="86fa742248e137ce" providerId="LiveId" clId="{2DFCD0C9-018B-4AB9-819C-591D203A6A2F}" dt="2024-01-30T22:37:11.563" v="0" actId="47"/>
+        <pc:chgData name="Patryk Serafin" userId="86fa742248e137ce" providerId="LiveId" clId="{2AF29E06-C5E3-40C0-B040-E9E4DBA0DF69}" dt="2024-02-04T12:49:36.730" v="0" actId="47"/>
         <pc:sldMkLst>
           <pc:docMk/>
           <pc:sldMk cId="2938863905" sldId="356"/>
@@ -531,12 +485,12 @@
   <pc:docChgLst>
     <pc:chgData name="Patryk Serafin" userId="86fa742248e137ce" providerId="LiveId" clId="{3298C733-EA56-44BD-B82F-19114443C032}"/>
     <pc:docChg chg="undo redo custSel addSld delSld modSld sldOrd addMainMaster delMainMaster">
-      <pc:chgData name="Patryk Serafin" userId="86fa742248e137ce" providerId="LiveId" clId="{3298C733-EA56-44BD-B82F-19114443C032}" dt="2024-01-30T22:28:39.192" v="3895" actId="14100"/>
+      <pc:chgData name="Patryk Serafin" userId="86fa742248e137ce" providerId="LiveId" clId="{3298C733-EA56-44BD-B82F-19114443C032}" dt="2024-01-30T22:43:19.667" v="3909" actId="20577"/>
       <pc:docMkLst>
         <pc:docMk/>
       </pc:docMkLst>
       <pc:sldChg chg="addSp delSp modSp new mod setBg modClrScheme addAnim delAnim modAnim chgLayout">
-        <pc:chgData name="Patryk Serafin" userId="86fa742248e137ce" providerId="LiveId" clId="{3298C733-EA56-44BD-B82F-19114443C032}" dt="2024-01-27T10:40:00.057" v="136"/>
+        <pc:chgData name="Patryk Serafin" userId="86fa742248e137ce" providerId="LiveId" clId="{3298C733-EA56-44BD-B82F-19114443C032}" dt="2024-01-30T22:41:30.444" v="3899" actId="27636"/>
         <pc:sldMkLst>
           <pc:docMk/>
           <pc:sldMk cId="2421352655" sldId="256"/>
@@ -550,7 +504,7 @@
           </ac:spMkLst>
         </pc:spChg>
         <pc:spChg chg="mod">
-          <ac:chgData name="Patryk Serafin" userId="86fa742248e137ce" providerId="LiveId" clId="{3298C733-EA56-44BD-B82F-19114443C032}" dt="2024-01-27T10:39:50.724" v="134" actId="26606"/>
+          <ac:chgData name="Patryk Serafin" userId="86fa742248e137ce" providerId="LiveId" clId="{3298C733-EA56-44BD-B82F-19114443C032}" dt="2024-01-30T22:41:30.444" v="3899" actId="27636"/>
           <ac:spMkLst>
             <pc:docMk/>
             <pc:sldMk cId="2421352655" sldId="256"/>
@@ -1709,13 +1663,13 @@
         </pc:picChg>
       </pc:sldChg>
       <pc:sldChg chg="addSp delSp modSp add mod setBg">
-        <pc:chgData name="Patryk Serafin" userId="86fa742248e137ce" providerId="LiveId" clId="{3298C733-EA56-44BD-B82F-19114443C032}" dt="2024-01-27T10:57:48.806" v="299" actId="26606"/>
+        <pc:chgData name="Patryk Serafin" userId="86fa742248e137ce" providerId="LiveId" clId="{3298C733-EA56-44BD-B82F-19114443C032}" dt="2024-01-30T22:42:55.567" v="3905" actId="20577"/>
         <pc:sldMkLst>
           <pc:docMk/>
           <pc:sldMk cId="3115832531" sldId="291"/>
         </pc:sldMkLst>
         <pc:spChg chg="mod">
-          <ac:chgData name="Patryk Serafin" userId="86fa742248e137ce" providerId="LiveId" clId="{3298C733-EA56-44BD-B82F-19114443C032}" dt="2024-01-27T10:57:48.806" v="299" actId="26606"/>
+          <ac:chgData name="Patryk Serafin" userId="86fa742248e137ce" providerId="LiveId" clId="{3298C733-EA56-44BD-B82F-19114443C032}" dt="2024-01-30T22:42:55.567" v="3905" actId="20577"/>
           <ac:spMkLst>
             <pc:docMk/>
             <pc:sldMk cId="3115832531" sldId="291"/>
@@ -1756,13 +1710,13 @@
         </pc:spChg>
       </pc:sldChg>
       <pc:sldChg chg="addSp modSp add mod setBg">
-        <pc:chgData name="Patryk Serafin" userId="86fa742248e137ce" providerId="LiveId" clId="{3298C733-EA56-44BD-B82F-19114443C032}" dt="2024-01-27T10:58:03.876" v="302" actId="26606"/>
+        <pc:chgData name="Patryk Serafin" userId="86fa742248e137ce" providerId="LiveId" clId="{3298C733-EA56-44BD-B82F-19114443C032}" dt="2024-01-30T22:43:00.478" v="3906" actId="20577"/>
         <pc:sldMkLst>
           <pc:docMk/>
           <pc:sldMk cId="1777602640" sldId="292"/>
         </pc:sldMkLst>
         <pc:spChg chg="mod">
-          <ac:chgData name="Patryk Serafin" userId="86fa742248e137ce" providerId="LiveId" clId="{3298C733-EA56-44BD-B82F-19114443C032}" dt="2024-01-27T10:58:03.876" v="302" actId="26606"/>
+          <ac:chgData name="Patryk Serafin" userId="86fa742248e137ce" providerId="LiveId" clId="{3298C733-EA56-44BD-B82F-19114443C032}" dt="2024-01-30T22:43:00.478" v="3906" actId="20577"/>
           <ac:spMkLst>
             <pc:docMk/>
             <pc:sldMk cId="1777602640" sldId="292"/>
@@ -1787,13 +1741,13 @@
         </pc:spChg>
       </pc:sldChg>
       <pc:sldChg chg="addSp modSp add mod setBg">
-        <pc:chgData name="Patryk Serafin" userId="86fa742248e137ce" providerId="LiveId" clId="{3298C733-EA56-44BD-B82F-19114443C032}" dt="2024-01-27T10:58:08.965" v="303" actId="26606"/>
+        <pc:chgData name="Patryk Serafin" userId="86fa742248e137ce" providerId="LiveId" clId="{3298C733-EA56-44BD-B82F-19114443C032}" dt="2024-01-30T22:43:11.660" v="3908" actId="20577"/>
         <pc:sldMkLst>
           <pc:docMk/>
           <pc:sldMk cId="64165896" sldId="293"/>
         </pc:sldMkLst>
         <pc:spChg chg="mod">
-          <ac:chgData name="Patryk Serafin" userId="86fa742248e137ce" providerId="LiveId" clId="{3298C733-EA56-44BD-B82F-19114443C032}" dt="2024-01-27T10:58:08.965" v="303" actId="26606"/>
+          <ac:chgData name="Patryk Serafin" userId="86fa742248e137ce" providerId="LiveId" clId="{3298C733-EA56-44BD-B82F-19114443C032}" dt="2024-01-30T22:43:11.660" v="3908" actId="20577"/>
           <ac:spMkLst>
             <pc:docMk/>
             <pc:sldMk cId="64165896" sldId="293"/>
@@ -2840,13 +2794,13 @@
         </pc:spChg>
       </pc:sldChg>
       <pc:sldChg chg="addSp delSp modSp add mod setBg delDesignElem">
-        <pc:chgData name="Patryk Serafin" userId="86fa742248e137ce" providerId="LiveId" clId="{3298C733-EA56-44BD-B82F-19114443C032}" dt="2024-01-28T11:53:26.333" v="611" actId="26606"/>
+        <pc:chgData name="Patryk Serafin" userId="86fa742248e137ce" providerId="LiveId" clId="{3298C733-EA56-44BD-B82F-19114443C032}" dt="2024-01-30T22:43:19.667" v="3909" actId="20577"/>
         <pc:sldMkLst>
           <pc:docMk/>
           <pc:sldMk cId="1419307233" sldId="336"/>
         </pc:sldMkLst>
         <pc:spChg chg="mod">
-          <ac:chgData name="Patryk Serafin" userId="86fa742248e137ce" providerId="LiveId" clId="{3298C733-EA56-44BD-B82F-19114443C032}" dt="2024-01-28T11:53:26.333" v="611" actId="26606"/>
+          <ac:chgData name="Patryk Serafin" userId="86fa742248e137ce" providerId="LiveId" clId="{3298C733-EA56-44BD-B82F-19114443C032}" dt="2024-01-30T22:42:44.957" v="3901" actId="20577"/>
           <ac:spMkLst>
             <pc:docMk/>
             <pc:sldMk cId="1419307233" sldId="336"/>
@@ -2854,7 +2808,7 @@
           </ac:spMkLst>
         </pc:spChg>
         <pc:spChg chg="mod">
-          <ac:chgData name="Patryk Serafin" userId="86fa742248e137ce" providerId="LiveId" clId="{3298C733-EA56-44BD-B82F-19114443C032}" dt="2024-01-28T11:53:22.065" v="609"/>
+          <ac:chgData name="Patryk Serafin" userId="86fa742248e137ce" providerId="LiveId" clId="{3298C733-EA56-44BD-B82F-19114443C032}" dt="2024-01-30T22:43:19.667" v="3909" actId="20577"/>
           <ac:spMkLst>
             <pc:docMk/>
             <pc:sldMk cId="1419307233" sldId="336"/>
@@ -5495,108 +5449,6 @@
           </pc:sldLayoutMkLst>
         </pc:sldLayoutChg>
       </pc:sldMasterChg>
-    </pc:docChg>
-  </pc:docChgLst>
-  <pc:docChgLst>
-    <pc:chgData name="Patryk Serafin" userId="86fa742248e137ce" providerId="LiveId" clId="{B6AC5C71-8B39-496D-98FE-C0B53590B329}"/>
-    <pc:docChg chg="undo custSel modSld">
-      <pc:chgData name="Patryk Serafin" userId="86fa742248e137ce" providerId="LiveId" clId="{B6AC5C71-8B39-496D-98FE-C0B53590B329}" dt="2024-01-31T08:39:12.544" v="29"/>
-      <pc:docMkLst>
-        <pc:docMk/>
-      </pc:docMkLst>
-      <pc:sldChg chg="addSp delSp modSp mod addAnim modAnim">
-        <pc:chgData name="Patryk Serafin" userId="86fa742248e137ce" providerId="LiveId" clId="{B6AC5C71-8B39-496D-98FE-C0B53590B329}" dt="2024-01-31T08:39:12.544" v="29"/>
-        <pc:sldMkLst>
-          <pc:docMk/>
-          <pc:sldMk cId="2421352655" sldId="256"/>
-        </pc:sldMkLst>
-        <pc:spChg chg="mod">
-          <ac:chgData name="Patryk Serafin" userId="86fa742248e137ce" providerId="LiveId" clId="{B6AC5C71-8B39-496D-98FE-C0B53590B329}" dt="2024-01-31T08:39:03.880" v="25" actId="26606"/>
-          <ac:spMkLst>
-            <pc:docMk/>
-            <pc:sldMk cId="2421352655" sldId="256"/>
-            <ac:spMk id="2" creationId="{6A78E45C-420E-146C-9942-2BAAA8C217AD}"/>
-          </ac:spMkLst>
-        </pc:spChg>
-        <pc:spChg chg="mod">
-          <ac:chgData name="Patryk Serafin" userId="86fa742248e137ce" providerId="LiveId" clId="{B6AC5C71-8B39-496D-98FE-C0B53590B329}" dt="2024-01-31T08:39:03.880" v="25" actId="26606"/>
-          <ac:spMkLst>
-            <pc:docMk/>
-            <pc:sldMk cId="2421352655" sldId="256"/>
-            <ac:spMk id="3" creationId="{F092CA79-CC0B-23E4-AB82-87274587D9EC}"/>
-          </ac:spMkLst>
-        </pc:spChg>
-        <pc:spChg chg="del">
-          <ac:chgData name="Patryk Serafin" userId="86fa742248e137ce" providerId="LiveId" clId="{B6AC5C71-8B39-496D-98FE-C0B53590B329}" dt="2024-01-31T08:39:03.880" v="25" actId="26606"/>
-          <ac:spMkLst>
-            <pc:docMk/>
-            <pc:sldMk cId="2421352655" sldId="256"/>
-            <ac:spMk id="30" creationId="{D1BA7680-B1FB-4B6B-2155-45DD5D6C4CF8}"/>
-          </ac:spMkLst>
-        </pc:spChg>
-        <pc:spChg chg="del">
-          <ac:chgData name="Patryk Serafin" userId="86fa742248e137ce" providerId="LiveId" clId="{B6AC5C71-8B39-496D-98FE-C0B53590B329}" dt="2024-01-31T08:39:03.880" v="25" actId="26606"/>
-          <ac:spMkLst>
-            <pc:docMk/>
-            <pc:sldMk cId="2421352655" sldId="256"/>
-            <ac:spMk id="31" creationId="{A9CCD9CD-49AE-3D3E-923B-81ECD3FBF75F}"/>
-          </ac:spMkLst>
-        </pc:spChg>
-        <pc:spChg chg="add">
-          <ac:chgData name="Patryk Serafin" userId="86fa742248e137ce" providerId="LiveId" clId="{B6AC5C71-8B39-496D-98FE-C0B53590B329}" dt="2024-01-31T08:39:03.880" v="25" actId="26606"/>
-          <ac:spMkLst>
-            <pc:docMk/>
-            <pc:sldMk cId="2421352655" sldId="256"/>
-            <ac:spMk id="36" creationId="{7A875D55-4A80-43E9-38F6-27E3664939B0}"/>
-          </ac:spMkLst>
-        </pc:spChg>
-        <pc:spChg chg="add">
-          <ac:chgData name="Patryk Serafin" userId="86fa742248e137ce" providerId="LiveId" clId="{B6AC5C71-8B39-496D-98FE-C0B53590B329}" dt="2024-01-31T08:39:03.880" v="25" actId="26606"/>
-          <ac:spMkLst>
-            <pc:docMk/>
-            <pc:sldMk cId="2421352655" sldId="256"/>
-            <ac:spMk id="38" creationId="{3D572980-FB84-8C29-1FAC-FAC5ECE29A39}"/>
-          </ac:spMkLst>
-        </pc:spChg>
-        <pc:picChg chg="mod">
-          <ac:chgData name="Patryk Serafin" userId="86fa742248e137ce" providerId="LiveId" clId="{B6AC5C71-8B39-496D-98FE-C0B53590B329}" dt="2024-01-31T08:39:03.880" v="25" actId="26606"/>
-          <ac:picMkLst>
-            <pc:docMk/>
-            <pc:sldMk cId="2421352655" sldId="256"/>
-            <ac:picMk id="6" creationId="{3F7F445E-1118-55DC-2C57-34B222808F2C}"/>
-          </ac:picMkLst>
-        </pc:picChg>
-      </pc:sldChg>
-      <pc:sldChg chg="modSp mod">
-        <pc:chgData name="Patryk Serafin" userId="86fa742248e137ce" providerId="LiveId" clId="{B6AC5C71-8B39-496D-98FE-C0B53590B329}" dt="2024-01-31T07:53:55.692" v="10" actId="20577"/>
-        <pc:sldMkLst>
-          <pc:docMk/>
-          <pc:sldMk cId="289399001" sldId="378"/>
-        </pc:sldMkLst>
-        <pc:graphicFrameChg chg="modGraphic">
-          <ac:chgData name="Patryk Serafin" userId="86fa742248e137ce" providerId="LiveId" clId="{B6AC5C71-8B39-496D-98FE-C0B53590B329}" dt="2024-01-31T07:53:55.692" v="10" actId="20577"/>
-          <ac:graphicFrameMkLst>
-            <pc:docMk/>
-            <pc:sldMk cId="289399001" sldId="378"/>
-            <ac:graphicFrameMk id="4" creationId="{E21AF404-0CF2-9666-75CF-DC6471FA89E2}"/>
-          </ac:graphicFrameMkLst>
-        </pc:graphicFrameChg>
-      </pc:sldChg>
-      <pc:sldChg chg="modSp">
-        <pc:chgData name="Patryk Serafin" userId="86fa742248e137ce" providerId="LiveId" clId="{B6AC5C71-8B39-496D-98FE-C0B53590B329}" dt="2024-01-31T08:00:10.692" v="11"/>
-        <pc:sldMkLst>
-          <pc:docMk/>
-          <pc:sldMk cId="3265729095" sldId="380"/>
-        </pc:sldMkLst>
-        <pc:graphicFrameChg chg="mod">
-          <ac:chgData name="Patryk Serafin" userId="86fa742248e137ce" providerId="LiveId" clId="{B6AC5C71-8B39-496D-98FE-C0B53590B329}" dt="2024-01-31T08:00:10.692" v="11"/>
-          <ac:graphicFrameMkLst>
-            <pc:docMk/>
-            <pc:sldMk cId="3265729095" sldId="380"/>
-            <ac:graphicFrameMk id="5" creationId="{38AFD5B6-14B2-5406-7B58-8ECF49A7F922}"/>
-          </ac:graphicFrameMkLst>
-        </pc:graphicFrameChg>
-      </pc:sldChg>
     </pc:docChg>
   </pc:docChgLst>
 </pc:chgInfo>
@@ -5684,7 +5536,7 @@
           <a:p>
             <a:fld id="{648B3C1D-5755-4177-931D-38D740BDF3D2}" type="datetimeFigureOut">
               <a:rPr lang="pl-PL" smtClean="0"/>
-              <a:t>31.01.2024</a:t>
+              <a:t>04.02.2024</a:t>
             </a:fld>
             <a:endParaRPr lang="pl-PL"/>
           </a:p>
@@ -6104,7 +5956,7 @@
           <a:p>
             <a:fld id="{999A8DD2-C443-44AD-85B3-4CE72B962C5F}" type="datetimeFigureOut">
               <a:rPr lang="en-US" smtClean="0"/>
-              <a:t>1/31/2024</a:t>
+              <a:t>2/4/2024</a:t>
             </a:fld>
             <a:endParaRPr lang="en-US"/>
           </a:p>
@@ -6312,7 +6164,7 @@
           <a:p>
             <a:fld id="{999A8DD2-C443-44AD-85B3-4CE72B962C5F}" type="datetimeFigureOut">
               <a:rPr lang="en-US" smtClean="0"/>
-              <a:t>1/31/2024</a:t>
+              <a:t>2/4/2024</a:t>
             </a:fld>
             <a:endParaRPr lang="en-US"/>
           </a:p>
@@ -6520,7 +6372,7 @@
           <a:p>
             <a:fld id="{999A8DD2-C443-44AD-85B3-4CE72B962C5F}" type="datetimeFigureOut">
               <a:rPr lang="en-US" smtClean="0"/>
-              <a:t>1/31/2024</a:t>
+              <a:t>2/4/2024</a:t>
             </a:fld>
             <a:endParaRPr lang="en-US"/>
           </a:p>
@@ -6718,7 +6570,7 @@
           <a:p>
             <a:fld id="{999A8DD2-C443-44AD-85B3-4CE72B962C5F}" type="datetimeFigureOut">
               <a:rPr lang="en-US" smtClean="0"/>
-              <a:t>1/31/2024</a:t>
+              <a:t>2/4/2024</a:t>
             </a:fld>
             <a:endParaRPr lang="en-US"/>
           </a:p>
@@ -6996,7 +6848,7 @@
           <a:p>
             <a:fld id="{999A8DD2-C443-44AD-85B3-4CE72B962C5F}" type="datetimeFigureOut">
               <a:rPr lang="en-US" smtClean="0"/>
-              <a:t>1/31/2024</a:t>
+              <a:t>2/4/2024</a:t>
             </a:fld>
             <a:endParaRPr lang="en-US"/>
           </a:p>
@@ -7268,7 +7120,7 @@
           <a:p>
             <a:fld id="{999A8DD2-C443-44AD-85B3-4CE72B962C5F}" type="datetimeFigureOut">
               <a:rPr lang="en-US" smtClean="0"/>
-              <a:t>1/31/2024</a:t>
+              <a:t>2/4/2024</a:t>
             </a:fld>
             <a:endParaRPr lang="en-US"/>
           </a:p>
@@ -7692,7 +7544,7 @@
           <a:p>
             <a:fld id="{999A8DD2-C443-44AD-85B3-4CE72B962C5F}" type="datetimeFigureOut">
               <a:rPr lang="en-US" smtClean="0"/>
-              <a:t>1/31/2024</a:t>
+              <a:t>2/4/2024</a:t>
             </a:fld>
             <a:endParaRPr lang="en-US"/>
           </a:p>
@@ -7833,7 +7685,7 @@
           <a:p>
             <a:fld id="{999A8DD2-C443-44AD-85B3-4CE72B962C5F}" type="datetimeFigureOut">
               <a:rPr lang="en-US" smtClean="0"/>
-              <a:t>1/31/2024</a:t>
+              <a:t>2/4/2024</a:t>
             </a:fld>
             <a:endParaRPr lang="en-US"/>
           </a:p>
@@ -7946,7 +7798,7 @@
           <a:p>
             <a:fld id="{999A8DD2-C443-44AD-85B3-4CE72B962C5F}" type="datetimeFigureOut">
               <a:rPr lang="en-US" smtClean="0"/>
-              <a:t>1/31/2024</a:t>
+              <a:t>2/4/2024</a:t>
             </a:fld>
             <a:endParaRPr lang="en-US"/>
           </a:p>
@@ -8265,7 +8117,7 @@
           <a:p>
             <a:fld id="{999A8DD2-C443-44AD-85B3-4CE72B962C5F}" type="datetimeFigureOut">
               <a:rPr lang="en-US" smtClean="0"/>
-              <a:t>1/31/2024</a:t>
+              <a:t>2/4/2024</a:t>
             </a:fld>
             <a:endParaRPr lang="en-US"/>
           </a:p>
@@ -8559,7 +8411,7 @@
           <a:p>
             <a:fld id="{999A8DD2-C443-44AD-85B3-4CE72B962C5F}" type="datetimeFigureOut">
               <a:rPr lang="en-US" smtClean="0"/>
-              <a:t>1/31/2024</a:t>
+              <a:t>2/4/2024</a:t>
             </a:fld>
             <a:endParaRPr lang="en-US"/>
           </a:p>
@@ -8799,7 +8651,7 @@
           <a:p>
             <a:fld id="{999A8DD2-C443-44AD-85B3-4CE72B962C5F}" type="datetimeFigureOut">
               <a:rPr lang="en-US" smtClean="0"/>
-              <a:t>1/31/2024</a:t>
+              <a:t>2/4/2024</a:t>
             </a:fld>
             <a:endParaRPr lang="en-US"/>
           </a:p>
@@ -9294,8 +9146,37 @@
           <a:bodyPr rtlCol="0" anchor="ctr"/>
           <a:lstStyle/>
           <a:p>
-            <a:pPr algn="ctr"/>
-            <a:endParaRPr lang="en-US"/>
+            <a:pPr marL="0" marR="0" lvl="0" indent="0" algn="ctr" defTabSz="914400" rtl="0" eaLnBrk="1" fontAlgn="auto" latinLnBrk="0" hangingPunct="1">
+              <a:lnSpc>
+                <a:spcPct val="100000"/>
+              </a:lnSpc>
+              <a:spcBef>
+                <a:spcPts val="0"/>
+              </a:spcBef>
+              <a:spcAft>
+                <a:spcPts val="0"/>
+              </a:spcAft>
+              <a:buClrTx/>
+              <a:buSzTx/>
+              <a:buFontTx/>
+              <a:buNone/>
+              <a:tabLst/>
+              <a:defRPr/>
+            </a:pPr>
+            <a:endParaRPr kumimoji="0" lang="en-US" sz="1800" b="0" i="0" u="none" strike="noStrike" kern="1200" cap="none" spc="0" normalizeH="0" baseline="0" noProof="0">
+              <a:ln>
+                <a:noFill/>
+              </a:ln>
+              <a:solidFill>
+                <a:prstClr val="white"/>
+              </a:solidFill>
+              <a:effectLst/>
+              <a:uLnTx/>
+              <a:uFillTx/>
+              <a:latin typeface="Neue Haas Grotesk Text Pro"/>
+              <a:ea typeface="+mn-ea"/>
+              <a:cs typeface="+mn-cs"/>
+            </a:endParaRPr>
           </a:p>
         </p:txBody>
       </p:sp>
@@ -9360,8 +9241,37 @@
           <a:bodyPr rtlCol="0" anchor="ctr"/>
           <a:lstStyle/>
           <a:p>
-            <a:pPr algn="ctr"/>
-            <a:endParaRPr lang="en-US"/>
+            <a:pPr marL="0" marR="0" lvl="0" indent="0" algn="ctr" defTabSz="914400" rtl="0" eaLnBrk="1" fontAlgn="auto" latinLnBrk="0" hangingPunct="1">
+              <a:lnSpc>
+                <a:spcPct val="100000"/>
+              </a:lnSpc>
+              <a:spcBef>
+                <a:spcPts val="0"/>
+              </a:spcBef>
+              <a:spcAft>
+                <a:spcPts val="0"/>
+              </a:spcAft>
+              <a:buClrTx/>
+              <a:buSzTx/>
+              <a:buFontTx/>
+              <a:buNone/>
+              <a:tabLst/>
+              <a:defRPr/>
+            </a:pPr>
+            <a:endParaRPr kumimoji="0" lang="en-US" sz="1800" b="0" i="0" u="none" strike="noStrike" kern="1200" cap="none" spc="0" normalizeH="0" baseline="0" noProof="0">
+              <a:ln>
+                <a:noFill/>
+              </a:ln>
+              <a:solidFill>
+                <a:prstClr val="white"/>
+              </a:solidFill>
+              <a:effectLst/>
+              <a:uLnTx/>
+              <a:uFillTx/>
+              <a:latin typeface="Neue Haas Grotesk Text Pro"/>
+              <a:ea typeface="+mn-ea"/>
+              <a:cs typeface="+mn-cs"/>
+            </a:endParaRPr>
           </a:p>
         </p:txBody>
       </p:sp>
@@ -9509,7 +9419,7 @@
     </p:spTree>
     <p:extLst>
       <p:ext uri="{BB962C8B-B14F-4D97-AF65-F5344CB8AC3E}">
-        <p14:creationId xmlns:p14="http://schemas.microsoft.com/office/powerpoint/2010/main" val="2421352655"/>
+        <p14:creationId xmlns:p14="http://schemas.microsoft.com/office/powerpoint/2010/main" val="1578271858"/>
       </p:ext>
     </p:extLst>
   </p:cSld>
@@ -10619,7 +10529,7 @@
           <p:nvPr>
             <p:extLst>
               <p:ext uri="{D42A27DB-BD31-4B8C-83A1-F6EECF244321}">
-                <p14:modId xmlns:p14="http://schemas.microsoft.com/office/powerpoint/2010/main" val="4009703984"/>
+                <p14:modId xmlns:p14="http://schemas.microsoft.com/office/powerpoint/2010/main" val="3713238099"/>
               </p:ext>
             </p:extLst>
           </p:nvPr>
@@ -10728,7 +10638,7 @@
                     <a:p>
                       <a:pPr algn="ctr"/>
                       <a:r>
-                        <a:rPr lang="pl-PL" sz="1400" dirty="0"/>
+                        <a:rPr lang="pl-PL" sz="1400"/>
                         <a:t>IMIĘ</a:t>
                       </a:r>
                     </a:p>
@@ -12080,21 +11990,8 @@
                   <a:srgbClr val="FFFFFF"/>
                 </a:solidFill>
               </a:rPr>
-              <a:t> (3NF</a:t>
+              <a:t> (3NF)</a:t>
             </a:r>
-            <a:r>
-              <a:rPr lang="pl-PL" sz="4000">
-                <a:solidFill>
-                  <a:srgbClr val="FFFFFF"/>
-                </a:solidFill>
-              </a:rPr>
-              <a:t>)</a:t>
-            </a:r>
-            <a:endParaRPr lang="en-US" sz="4000" dirty="0">
-              <a:solidFill>
-                <a:srgbClr val="FFFFFF"/>
-              </a:solidFill>
-            </a:endParaRPr>
           </a:p>
         </p:txBody>
       </p:sp>
@@ -14175,7 +14072,7 @@
           <p:nvPr>
             <p:extLst>
               <p:ext uri="{D42A27DB-BD31-4B8C-83A1-F6EECF244321}">
-                <p14:modId xmlns:p14="http://schemas.microsoft.com/office/powerpoint/2010/main" val="3330302695"/>
+                <p14:modId xmlns:p14="http://schemas.microsoft.com/office/powerpoint/2010/main" val="4074942805"/>
               </p:ext>
             </p:extLst>
           </p:nvPr>
@@ -14247,21 +14144,14 @@
                     <a:bodyPr/>
                     <a:lstStyle/>
                     <a:p>
-                      <a:pPr marL="0" algn="ctr" defTabSz="914400" rtl="0" eaLnBrk="1" latinLnBrk="0" hangingPunct="1"/>
-                      <a:r>
-                        <a:rPr lang="pl-PL" sz="1400" kern="1200" dirty="0">
-                          <a:solidFill>
-                            <a:schemeClr val="dk1"/>
-                          </a:solidFill>
-                          <a:latin typeface="+mn-lt"/>
-                          <a:ea typeface="+mn-ea"/>
-                          <a:cs typeface="+mn-cs"/>
-                        </a:rPr>
-                        <a:t>Polska</a:t>
-                      </a:r>
-                    </a:p>
-                  </a:txBody>
-                  <a:tcPr marL="83686" marR="83686" marT="41843" marB="41843" anchor="ctr"/>
+                      <a:pPr algn="ctr"/>
+                      <a:r>
+                        <a:rPr lang="pl-PL" sz="1500"/>
+                        <a:t>Rolki</a:t>
+                      </a:r>
+                    </a:p>
+                  </a:txBody>
+                  <a:tcPr marL="66439" marR="66439" marT="33220" marB="33220" anchor="ctr"/>
                 </a:tc>
                 <a:tc>
                   <a:txBody>
@@ -14289,21 +14179,14 @@
                     <a:bodyPr/>
                     <a:lstStyle/>
                     <a:p>
-                      <a:pPr marL="0" algn="ctr" defTabSz="914400" rtl="0" eaLnBrk="1" latinLnBrk="0" hangingPunct="1"/>
-                      <a:r>
-                        <a:rPr lang="pl-PL" sz="1400" kern="1200" dirty="0">
-                          <a:solidFill>
-                            <a:schemeClr val="dk1"/>
-                          </a:solidFill>
-                          <a:latin typeface="+mn-lt"/>
-                          <a:ea typeface="+mn-ea"/>
-                          <a:cs typeface="+mn-cs"/>
-                        </a:rPr>
-                        <a:t>Niemcy</a:t>
-                      </a:r>
-                    </a:p>
-                  </a:txBody>
-                  <a:tcPr marL="83686" marR="83686" marT="41843" marB="41843" anchor="ctr"/>
+                      <a:pPr algn="ctr"/>
+                      <a:r>
+                        <a:rPr lang="pl-PL" sz="1500"/>
+                        <a:t>Narty</a:t>
+                      </a:r>
+                    </a:p>
+                  </a:txBody>
+                  <a:tcPr marL="66439" marR="66439" marT="33220" marB="33220" anchor="ctr"/>
                 </a:tc>
                 <a:tc>
                   <a:txBody>
@@ -14769,7 +14652,7 @@
                     <a:p>
                       <a:pPr algn="ctr"/>
                       <a:r>
-                        <a:rPr lang="pl-PL" sz="1500" dirty="0"/>
+                        <a:rPr lang="pl-PL" sz="1500"/>
                         <a:t>Rolki</a:t>
                       </a:r>
                     </a:p>
@@ -14818,7 +14701,7 @@
                     <a:p>
                       <a:pPr algn="ctr"/>
                       <a:r>
-                        <a:rPr lang="pl-PL" sz="1500" dirty="0"/>
+                        <a:rPr lang="pl-PL" sz="1500"/>
                         <a:t>Narty</a:t>
                       </a:r>
                     </a:p>
@@ -15335,7 +15218,7 @@
           <a:p>
             <a:r>
               <a:rPr lang="pl-PL" dirty="0"/>
-              <a:t>Normalizacja. Postacie normalne. </a:t>
+              <a:t>Normalizacja. Postacie normalne.</a:t>
             </a:r>
           </a:p>
         </p:txBody>
@@ -15411,8 +15294,13 @@
           <a:p>
             <a:r>
               <a:rPr lang="pl-PL" sz="1800" dirty="0"/>
-              <a:t>Trzecia postać normalna (3NF)</a:t>
+              <a:t>Trzecia postać normalna (</a:t>
             </a:r>
+            <a:r>
+              <a:rPr lang="pl-PL" sz="1800"/>
+              <a:t>3NF)</a:t>
+            </a:r>
+            <a:endParaRPr lang="pl-PL" sz="1800" dirty="0"/>
           </a:p>
         </p:txBody>
       </p:sp>

--- a/subjects/WWW/Bazy danych - 2 zajęcia.pptx
+++ b/subjects/WWW/Bazy danych - 2 zajęcia.pptx
@@ -5,7 +5,7 @@
     <p:sldMasterId id="2147483720" r:id="rId1"/>
   </p:sldMasterIdLst>
   <p:notesMasterIdLst>
-    <p:notesMasterId r:id="rId19"/>
+    <p:notesMasterId r:id="rId18"/>
   </p:notesMasterIdLst>
   <p:sldIdLst>
     <p:sldId id="381" r:id="rId2"/>
@@ -24,7 +24,6 @@
     <p:sldId id="379" r:id="rId15"/>
     <p:sldId id="380" r:id="rId16"/>
     <p:sldId id="373" r:id="rId17"/>
-    <p:sldId id="372" r:id="rId18"/>
   </p:sldIdLst>
   <p:sldSz cx="12192000" cy="6858000"/>
   <p:notesSz cx="6858000" cy="9144000"/>
@@ -129,6 +128,14 @@
     </p:ext>
   </p:extLst>
 </p:presentation>
+</file>
+
+<file path=ppt/revisionInfo.xml><?xml version="1.0" encoding="utf-8"?>
+<p1510:revInfo xmlns:a="http://schemas.openxmlformats.org/drawingml/2006/main" xmlns:r="http://schemas.openxmlformats.org/officeDocument/2006/relationships" xmlns:p1510="http://schemas.microsoft.com/office/powerpoint/2015/10/main">
+  <p1510:revLst>
+    <p1510:client id="{5A533EE0-532D-4D5B-9C18-E55E46EF6896}" v="1" dt="2024-03-04T08:53:48.585"/>
+  </p1510:revLst>
+</p1510:revInfo>
 </file>
 
 <file path=ppt/changesInfos/changesInfo1.xml><?xml version="1.0" encoding="utf-8"?>
@@ -483,6 +490,37 @@
     </pc:docChg>
   </pc:docChgLst>
   <pc:docChgLst>
+    <pc:chgData name="Serafin Patryk" userId="ce8cf8d3-b140-43f7-9541-10745587815e" providerId="ADAL" clId="{5A533EE0-532D-4D5B-9C18-E55E46EF6896}"/>
+    <pc:docChg chg="delSld modSld">
+      <pc:chgData name="Serafin Patryk" userId="ce8cf8d3-b140-43f7-9541-10745587815e" providerId="ADAL" clId="{5A533EE0-532D-4D5B-9C18-E55E46EF6896}" dt="2024-03-04T08:54:00.802" v="1" actId="47"/>
+      <pc:docMkLst>
+        <pc:docMk/>
+      </pc:docMkLst>
+      <pc:sldChg chg="del">
+        <pc:chgData name="Serafin Patryk" userId="ce8cf8d3-b140-43f7-9541-10745587815e" providerId="ADAL" clId="{5A533EE0-532D-4D5B-9C18-E55E46EF6896}" dt="2024-03-04T08:54:00.802" v="1" actId="47"/>
+        <pc:sldMkLst>
+          <pc:docMk/>
+          <pc:sldMk cId="1140178177" sldId="372"/>
+        </pc:sldMkLst>
+      </pc:sldChg>
+      <pc:sldChg chg="modSp">
+        <pc:chgData name="Serafin Patryk" userId="ce8cf8d3-b140-43f7-9541-10745587815e" providerId="ADAL" clId="{5A533EE0-532D-4D5B-9C18-E55E46EF6896}" dt="2024-03-04T08:53:48.585" v="0"/>
+        <pc:sldMkLst>
+          <pc:docMk/>
+          <pc:sldMk cId="3265729095" sldId="380"/>
+        </pc:sldMkLst>
+        <pc:graphicFrameChg chg="mod">
+          <ac:chgData name="Serafin Patryk" userId="ce8cf8d3-b140-43f7-9541-10745587815e" providerId="ADAL" clId="{5A533EE0-532D-4D5B-9C18-E55E46EF6896}" dt="2024-03-04T08:53:48.585" v="0"/>
+          <ac:graphicFrameMkLst>
+            <pc:docMk/>
+            <pc:sldMk cId="3265729095" sldId="380"/>
+            <ac:graphicFrameMk id="5" creationId="{38AFD5B6-14B2-5406-7B58-8ECF49A7F922}"/>
+          </ac:graphicFrameMkLst>
+        </pc:graphicFrameChg>
+      </pc:sldChg>
+    </pc:docChg>
+  </pc:docChgLst>
+  <pc:docChgLst>
     <pc:chgData name="Patryk Serafin" userId="86fa742248e137ce" providerId="LiveId" clId="{3298C733-EA56-44BD-B82F-19114443C032}"/>
     <pc:docChg chg="undo redo custSel addSld delSld modSld sldOrd addMainMaster delMainMaster">
       <pc:chgData name="Patryk Serafin" userId="86fa742248e137ce" providerId="LiveId" clId="{3298C733-EA56-44BD-B82F-19114443C032}" dt="2024-01-30T22:43:19.667" v="3909" actId="20577"/>
@@ -5536,7 +5574,7 @@
           <a:p>
             <a:fld id="{648B3C1D-5755-4177-931D-38D740BDF3D2}" type="datetimeFigureOut">
               <a:rPr lang="pl-PL" smtClean="0"/>
-              <a:t>04.02.2024</a:t>
+              <a:t>04.03.2024</a:t>
             </a:fld>
             <a:endParaRPr lang="pl-PL"/>
           </a:p>
@@ -5956,7 +5994,7 @@
           <a:p>
             <a:fld id="{999A8DD2-C443-44AD-85B3-4CE72B962C5F}" type="datetimeFigureOut">
               <a:rPr lang="en-US" smtClean="0"/>
-              <a:t>2/4/2024</a:t>
+              <a:t>3/4/2024</a:t>
             </a:fld>
             <a:endParaRPr lang="en-US"/>
           </a:p>
@@ -6164,7 +6202,7 @@
           <a:p>
             <a:fld id="{999A8DD2-C443-44AD-85B3-4CE72B962C5F}" type="datetimeFigureOut">
               <a:rPr lang="en-US" smtClean="0"/>
-              <a:t>2/4/2024</a:t>
+              <a:t>3/4/2024</a:t>
             </a:fld>
             <a:endParaRPr lang="en-US"/>
           </a:p>
@@ -6372,7 +6410,7 @@
           <a:p>
             <a:fld id="{999A8DD2-C443-44AD-85B3-4CE72B962C5F}" type="datetimeFigureOut">
               <a:rPr lang="en-US" smtClean="0"/>
-              <a:t>2/4/2024</a:t>
+              <a:t>3/4/2024</a:t>
             </a:fld>
             <a:endParaRPr lang="en-US"/>
           </a:p>
@@ -6570,7 +6608,7 @@
           <a:p>
             <a:fld id="{999A8DD2-C443-44AD-85B3-4CE72B962C5F}" type="datetimeFigureOut">
               <a:rPr lang="en-US" smtClean="0"/>
-              <a:t>2/4/2024</a:t>
+              <a:t>3/4/2024</a:t>
             </a:fld>
             <a:endParaRPr lang="en-US"/>
           </a:p>
@@ -6848,7 +6886,7 @@
           <a:p>
             <a:fld id="{999A8DD2-C443-44AD-85B3-4CE72B962C5F}" type="datetimeFigureOut">
               <a:rPr lang="en-US" smtClean="0"/>
-              <a:t>2/4/2024</a:t>
+              <a:t>3/4/2024</a:t>
             </a:fld>
             <a:endParaRPr lang="en-US"/>
           </a:p>
@@ -7120,7 +7158,7 @@
           <a:p>
             <a:fld id="{999A8DD2-C443-44AD-85B3-4CE72B962C5F}" type="datetimeFigureOut">
               <a:rPr lang="en-US" smtClean="0"/>
-              <a:t>2/4/2024</a:t>
+              <a:t>3/4/2024</a:t>
             </a:fld>
             <a:endParaRPr lang="en-US"/>
           </a:p>
@@ -7544,7 +7582,7 @@
           <a:p>
             <a:fld id="{999A8DD2-C443-44AD-85B3-4CE72B962C5F}" type="datetimeFigureOut">
               <a:rPr lang="en-US" smtClean="0"/>
-              <a:t>2/4/2024</a:t>
+              <a:t>3/4/2024</a:t>
             </a:fld>
             <a:endParaRPr lang="en-US"/>
           </a:p>
@@ -7685,7 +7723,7 @@
           <a:p>
             <a:fld id="{999A8DD2-C443-44AD-85B3-4CE72B962C5F}" type="datetimeFigureOut">
               <a:rPr lang="en-US" smtClean="0"/>
-              <a:t>2/4/2024</a:t>
+              <a:t>3/4/2024</a:t>
             </a:fld>
             <a:endParaRPr lang="en-US"/>
           </a:p>
@@ -7798,7 +7836,7 @@
           <a:p>
             <a:fld id="{999A8DD2-C443-44AD-85B3-4CE72B962C5F}" type="datetimeFigureOut">
               <a:rPr lang="en-US" smtClean="0"/>
-              <a:t>2/4/2024</a:t>
+              <a:t>3/4/2024</a:t>
             </a:fld>
             <a:endParaRPr lang="en-US"/>
           </a:p>
@@ -8117,7 +8155,7 @@
           <a:p>
             <a:fld id="{999A8DD2-C443-44AD-85B3-4CE72B962C5F}" type="datetimeFigureOut">
               <a:rPr lang="en-US" smtClean="0"/>
-              <a:t>2/4/2024</a:t>
+              <a:t>3/4/2024</a:t>
             </a:fld>
             <a:endParaRPr lang="en-US"/>
           </a:p>
@@ -8411,7 +8449,7 @@
           <a:p>
             <a:fld id="{999A8DD2-C443-44AD-85B3-4CE72B962C5F}" type="datetimeFigureOut">
               <a:rPr lang="en-US" smtClean="0"/>
-              <a:t>2/4/2024</a:t>
+              <a:t>3/4/2024</a:t>
             </a:fld>
             <a:endParaRPr lang="en-US"/>
           </a:p>
@@ -8651,7 +8689,7 @@
           <a:p>
             <a:fld id="{999A8DD2-C443-44AD-85B3-4CE72B962C5F}" type="datetimeFigureOut">
               <a:rPr lang="en-US" smtClean="0"/>
-              <a:t>2/4/2024</a:t>
+              <a:t>3/4/2024</a:t>
             </a:fld>
             <a:endParaRPr lang="en-US"/>
           </a:p>
@@ -14072,7 +14110,7 @@
           <p:nvPr>
             <p:extLst>
               <p:ext uri="{D42A27DB-BD31-4B8C-83A1-F6EECF244321}">
-                <p14:modId xmlns:p14="http://schemas.microsoft.com/office/powerpoint/2010/main" val="4074942805"/>
+                <p14:modId xmlns:p14="http://schemas.microsoft.com/office/powerpoint/2010/main" val="852304618"/>
               </p:ext>
             </p:extLst>
           </p:nvPr>
@@ -14144,14 +14182,21 @@
                     <a:bodyPr/>
                     <a:lstStyle/>
                     <a:p>
-                      <a:pPr algn="ctr"/>
-                      <a:r>
-                        <a:rPr lang="pl-PL" sz="1500"/>
-                        <a:t>Rolki</a:t>
-                      </a:r>
-                    </a:p>
-                  </a:txBody>
-                  <a:tcPr marL="66439" marR="66439" marT="33220" marB="33220" anchor="ctr"/>
+                      <a:pPr marL="0" algn="ctr" defTabSz="914400" rtl="0" eaLnBrk="1" latinLnBrk="0" hangingPunct="1"/>
+                      <a:r>
+                        <a:rPr lang="pl-PL" sz="1400" kern="1200" dirty="0">
+                          <a:solidFill>
+                            <a:schemeClr val="dk1"/>
+                          </a:solidFill>
+                          <a:latin typeface="+mn-lt"/>
+                          <a:ea typeface="+mn-ea"/>
+                          <a:cs typeface="+mn-cs"/>
+                        </a:rPr>
+                        <a:t>Polska</a:t>
+                      </a:r>
+                    </a:p>
+                  </a:txBody>
+                  <a:tcPr marL="83686" marR="83686" marT="41843" marB="41843" anchor="ctr"/>
                 </a:tc>
                 <a:tc>
                   <a:txBody>
@@ -14179,14 +14224,21 @@
                     <a:bodyPr/>
                     <a:lstStyle/>
                     <a:p>
-                      <a:pPr algn="ctr"/>
-                      <a:r>
-                        <a:rPr lang="pl-PL" sz="1500"/>
-                        <a:t>Narty</a:t>
-                      </a:r>
-                    </a:p>
-                  </a:txBody>
-                  <a:tcPr marL="66439" marR="66439" marT="33220" marB="33220" anchor="ctr"/>
+                      <a:pPr marL="0" algn="ctr" defTabSz="914400" rtl="0" eaLnBrk="1" latinLnBrk="0" hangingPunct="1"/>
+                      <a:r>
+                        <a:rPr lang="pl-PL" sz="1400" kern="1200" dirty="0">
+                          <a:solidFill>
+                            <a:schemeClr val="dk1"/>
+                          </a:solidFill>
+                          <a:latin typeface="+mn-lt"/>
+                          <a:ea typeface="+mn-ea"/>
+                          <a:cs typeface="+mn-cs"/>
+                        </a:rPr>
+                        <a:t>Niemcy</a:t>
+                      </a:r>
+                    </a:p>
+                  </a:txBody>
+                  <a:tcPr marL="83686" marR="83686" marT="41843" marB="41843" anchor="ctr"/>
                 </a:tc>
                 <a:tc>
                   <a:txBody>
@@ -14920,161 +14972,6 @@
     <p:extLst>
       <p:ext uri="{BB962C8B-B14F-4D97-AF65-F5344CB8AC3E}">
         <p14:creationId xmlns:p14="http://schemas.microsoft.com/office/powerpoint/2010/main" val="1968622345"/>
-      </p:ext>
-    </p:extLst>
-  </p:cSld>
-  <p:clrMapOvr>
-    <a:masterClrMapping/>
-  </p:clrMapOvr>
-</p:sld>
-</file>
-
-<file path=ppt/slides/slide17.xml><?xml version="1.0" encoding="utf-8"?>
-<p:sld xmlns:a="http://schemas.openxmlformats.org/drawingml/2006/main" xmlns:r="http://schemas.openxmlformats.org/officeDocument/2006/relationships" xmlns:p="http://schemas.openxmlformats.org/presentationml/2006/main">
-  <p:cSld>
-    <p:spTree>
-      <p:nvGrpSpPr>
-        <p:cNvPr id="1" name=""/>
-        <p:cNvGrpSpPr/>
-        <p:nvPr/>
-      </p:nvGrpSpPr>
-      <p:grpSpPr>
-        <a:xfrm>
-          <a:off x="0" y="0"/>
-          <a:ext cx="0" cy="0"/>
-          <a:chOff x="0" y="0"/>
-          <a:chExt cx="0" cy="0"/>
-        </a:xfrm>
-      </p:grpSpPr>
-      <p:pic>
-        <p:nvPicPr>
-          <p:cNvPr id="4" name="Picture 3" descr="Okulary na wierzchu książki">
-            <a:extLst>
-              <a:ext uri="{FF2B5EF4-FFF2-40B4-BE49-F238E27FC236}">
-                <a16:creationId xmlns:a16="http://schemas.microsoft.com/office/drawing/2014/main" id="{B6B93A28-5D41-43C6-B15E-E06B4CC5DA95}"/>
-              </a:ext>
-            </a:extLst>
-          </p:cNvPr>
-          <p:cNvPicPr>
-            <a:picLocks noChangeAspect="1"/>
-          </p:cNvPicPr>
-          <p:nvPr/>
-        </p:nvPicPr>
-        <p:blipFill rotWithShape="1">
-          <a:blip r:embed="rId2"/>
-          <a:srcRect t="14112" b="983"/>
-          <a:stretch/>
-        </p:blipFill>
-        <p:spPr>
-          <a:xfrm>
-            <a:off x="20" y="-1"/>
-            <a:ext cx="12191980" cy="6858001"/>
-          </a:xfrm>
-          <a:prstGeom prst="rect">
-            <a:avLst/>
-          </a:prstGeom>
-        </p:spPr>
-      </p:pic>
-      <p:sp>
-        <p:nvSpPr>
-          <p:cNvPr id="2" name="Tytuł 1">
-            <a:extLst>
-              <a:ext uri="{FF2B5EF4-FFF2-40B4-BE49-F238E27FC236}">
-                <a16:creationId xmlns:a16="http://schemas.microsoft.com/office/drawing/2014/main" id="{DD9B76F6-7E88-5471-4064-6AFC2D6CC2E8}"/>
-              </a:ext>
-            </a:extLst>
-          </p:cNvPr>
-          <p:cNvSpPr>
-            <a:spLocks noGrp="1"/>
-          </p:cNvSpPr>
-          <p:nvPr>
-            <p:ph type="title"/>
-          </p:nvPr>
-        </p:nvSpPr>
-        <p:spPr>
-          <a:xfrm>
-            <a:off x="626918" y="3429000"/>
-            <a:ext cx="4506064" cy="1888742"/>
-          </a:xfrm>
-        </p:spPr>
-        <p:txBody>
-          <a:bodyPr vert="horz" lIns="91440" tIns="45720" rIns="91440" bIns="45720" rtlCol="0" anchor="b">
-            <a:normAutofit/>
-          </a:bodyPr>
-          <a:lstStyle/>
-          <a:p>
-            <a:r>
-              <a:rPr lang="en-US" sz="4000" dirty="0" err="1">
-                <a:solidFill>
-                  <a:schemeClr val="bg1"/>
-                </a:solidFill>
-                <a:hlinkClick r:id="rId3">
-                  <a:extLst>
-                    <a:ext uri="{A12FA001-AC4F-418D-AE19-62706E023703}">
-                      <ahyp:hlinkClr xmlns:ahyp="http://schemas.microsoft.com/office/drawing/2018/hyperlinkcolor" val="tx"/>
-                    </a:ext>
-                  </a:extLst>
-                </a:hlinkClick>
-              </a:rPr>
-              <a:t>Sprawdź</a:t>
-            </a:r>
-            <a:r>
-              <a:rPr lang="en-US" sz="4000" dirty="0">
-                <a:solidFill>
-                  <a:schemeClr val="bg1"/>
-                </a:solidFill>
-                <a:hlinkClick r:id="rId3">
-                  <a:extLst>
-                    <a:ext uri="{A12FA001-AC4F-418D-AE19-62706E023703}">
-                      <ahyp:hlinkClr xmlns:ahyp="http://schemas.microsoft.com/office/drawing/2018/hyperlinkcolor" val="tx"/>
-                    </a:ext>
-                  </a:extLst>
-                </a:hlinkClick>
-              </a:rPr>
-              <a:t> </a:t>
-            </a:r>
-            <a:r>
-              <a:rPr lang="en-US" sz="4000" dirty="0" err="1">
-                <a:solidFill>
-                  <a:schemeClr val="bg1"/>
-                </a:solidFill>
-                <a:hlinkClick r:id="rId3">
-                  <a:extLst>
-                    <a:ext uri="{A12FA001-AC4F-418D-AE19-62706E023703}">
-                      <ahyp:hlinkClr xmlns:ahyp="http://schemas.microsoft.com/office/drawing/2018/hyperlinkcolor" val="tx"/>
-                    </a:ext>
-                  </a:extLst>
-                </a:hlinkClick>
-              </a:rPr>
-              <a:t>siebie</a:t>
-            </a:r>
-            <a:r>
-              <a:rPr lang="en-US" sz="4000" dirty="0">
-                <a:solidFill>
-                  <a:schemeClr val="bg1"/>
-                </a:solidFill>
-                <a:hlinkClick r:id="rId3">
-                  <a:extLst>
-                    <a:ext uri="{A12FA001-AC4F-418D-AE19-62706E023703}">
-                      <ahyp:hlinkClr xmlns:ahyp="http://schemas.microsoft.com/office/drawing/2018/hyperlinkcolor" val="tx"/>
-                    </a:ext>
-                  </a:extLst>
-                </a:hlinkClick>
-              </a:rPr>
-              <a:t>!</a:t>
-            </a:r>
-            <a:endParaRPr lang="en-US" sz="4000" dirty="0">
-              <a:solidFill>
-                <a:schemeClr val="bg1"/>
-              </a:solidFill>
-            </a:endParaRPr>
-          </a:p>
-        </p:txBody>
-      </p:sp>
-    </p:spTree>
-    <p:extLst>
-      <p:ext uri="{BB962C8B-B14F-4D97-AF65-F5344CB8AC3E}">
-        <p14:creationId xmlns:p14="http://schemas.microsoft.com/office/powerpoint/2010/main" val="1140178177"/>
       </p:ext>
     </p:extLst>
   </p:cSld>

--- a/subjects/WWW/Bazy danych - 2 zajęcia.pptx
+++ b/subjects/WWW/Bazy danych - 2 zajęcia.pptx
@@ -133,13 +133,74 @@
 <file path=ppt/revisionInfo.xml><?xml version="1.0" encoding="utf-8"?>
 <p1510:revInfo xmlns:a="http://schemas.openxmlformats.org/drawingml/2006/main" xmlns:r="http://schemas.openxmlformats.org/officeDocument/2006/relationships" xmlns:p1510="http://schemas.microsoft.com/office/powerpoint/2015/10/main">
   <p1510:revLst>
-    <p1510:client id="{5A533EE0-532D-4D5B-9C18-E55E46EF6896}" v="1" dt="2024-03-04T08:53:48.585"/>
+    <p1510:client id="{9123F8D0-E6BB-4715-84BF-3B5B1F72E3B6}" v="3" dt="2024-03-04T08:53:07.629"/>
   </p1510:revLst>
 </p1510:revInfo>
 </file>
 
 <file path=ppt/changesInfos/changesInfo1.xml><?xml version="1.0" encoding="utf-8"?>
 <pc:chgInfo xmlns:a="http://schemas.openxmlformats.org/drawingml/2006/main" xmlns:r="http://schemas.openxmlformats.org/officeDocument/2006/relationships" xmlns:ac="http://schemas.microsoft.com/office/drawing/2013/main/command" xmlns:pc="http://schemas.microsoft.com/office/powerpoint/2013/main/command">
+  <pc:docChgLst>
+    <pc:chgData name="Serafin Patryk" userId="ce8cf8d3-b140-43f7-9541-10745587815e" providerId="ADAL" clId="{9123F8D0-E6BB-4715-84BF-3B5B1F72E3B6}"/>
+    <pc:docChg chg="undo custSel delSld modSld">
+      <pc:chgData name="Serafin Patryk" userId="ce8cf8d3-b140-43f7-9541-10745587815e" providerId="ADAL" clId="{9123F8D0-E6BB-4715-84BF-3B5B1F72E3B6}" dt="2024-03-04T08:54:07.450" v="12" actId="47"/>
+      <pc:docMkLst>
+        <pc:docMk/>
+      </pc:docMkLst>
+      <pc:sldChg chg="modSp mod">
+        <pc:chgData name="Serafin Patryk" userId="ce8cf8d3-b140-43f7-9541-10745587815e" providerId="ADAL" clId="{9123F8D0-E6BB-4715-84BF-3B5B1F72E3B6}" dt="2024-03-04T08:50:33.825" v="8" actId="2161"/>
+        <pc:sldMkLst>
+          <pc:docMk/>
+          <pc:sldMk cId="2524299725" sldId="366"/>
+        </pc:sldMkLst>
+        <pc:graphicFrameChg chg="mod modGraphic">
+          <ac:chgData name="Serafin Patryk" userId="ce8cf8d3-b140-43f7-9541-10745587815e" providerId="ADAL" clId="{9123F8D0-E6BB-4715-84BF-3B5B1F72E3B6}" dt="2024-03-04T08:50:33.825" v="8" actId="2161"/>
+          <ac:graphicFrameMkLst>
+            <pc:docMk/>
+            <pc:sldMk cId="2524299725" sldId="366"/>
+            <ac:graphicFrameMk id="4" creationId="{9D7EDAEA-1CF8-8949-F65C-B6B5C0C24DE8}"/>
+          </ac:graphicFrameMkLst>
+        </pc:graphicFrameChg>
+      </pc:sldChg>
+      <pc:sldChg chg="del">
+        <pc:chgData name="Serafin Patryk" userId="ce8cf8d3-b140-43f7-9541-10745587815e" providerId="ADAL" clId="{9123F8D0-E6BB-4715-84BF-3B5B1F72E3B6}" dt="2024-03-04T08:54:07.450" v="12" actId="47"/>
+        <pc:sldMkLst>
+          <pc:docMk/>
+          <pc:sldMk cId="1140178177" sldId="372"/>
+        </pc:sldMkLst>
+      </pc:sldChg>
+      <pc:sldChg chg="modSp mod">
+        <pc:chgData name="Serafin Patryk" userId="ce8cf8d3-b140-43f7-9541-10745587815e" providerId="ADAL" clId="{9123F8D0-E6BB-4715-84BF-3B5B1F72E3B6}" dt="2024-03-04T08:51:32.867" v="10" actId="14734"/>
+        <pc:sldMkLst>
+          <pc:docMk/>
+          <pc:sldMk cId="1180631931" sldId="377"/>
+        </pc:sldMkLst>
+        <pc:graphicFrameChg chg="modGraphic">
+          <ac:chgData name="Serafin Patryk" userId="ce8cf8d3-b140-43f7-9541-10745587815e" providerId="ADAL" clId="{9123F8D0-E6BB-4715-84BF-3B5B1F72E3B6}" dt="2024-03-04T08:51:32.867" v="10" actId="14734"/>
+          <ac:graphicFrameMkLst>
+            <pc:docMk/>
+            <pc:sldMk cId="1180631931" sldId="377"/>
+            <ac:graphicFrameMk id="4" creationId="{8C45715E-FB8D-C18B-21A5-5B447E95821E}"/>
+          </ac:graphicFrameMkLst>
+        </pc:graphicFrameChg>
+      </pc:sldChg>
+      <pc:sldChg chg="modSp">
+        <pc:chgData name="Serafin Patryk" userId="ce8cf8d3-b140-43f7-9541-10745587815e" providerId="ADAL" clId="{9123F8D0-E6BB-4715-84BF-3B5B1F72E3B6}" dt="2024-03-04T08:53:07.629" v="11"/>
+        <pc:sldMkLst>
+          <pc:docMk/>
+          <pc:sldMk cId="3265729095" sldId="380"/>
+        </pc:sldMkLst>
+        <pc:graphicFrameChg chg="mod">
+          <ac:chgData name="Serafin Patryk" userId="ce8cf8d3-b140-43f7-9541-10745587815e" providerId="ADAL" clId="{9123F8D0-E6BB-4715-84BF-3B5B1F72E3B6}" dt="2024-03-04T08:53:07.629" v="11"/>
+          <ac:graphicFrameMkLst>
+            <pc:docMk/>
+            <pc:sldMk cId="3265729095" sldId="380"/>
+            <ac:graphicFrameMk id="5" creationId="{38AFD5B6-14B2-5406-7B58-8ECF49A7F922}"/>
+          </ac:graphicFrameMkLst>
+        </pc:graphicFrameChg>
+      </pc:sldChg>
+    </pc:docChg>
+  </pc:docChgLst>
   <pc:docChgLst>
     <pc:chgData name="Patryk Serafin" userId="86fa742248e137ce" providerId="LiveId" clId="{9284F644-453D-4DEE-A2B0-268811375D48}"/>
     <pc:docChg chg="addSld delSld modSld">
@@ -486,37 +547,6 @@
           <pc:docMk/>
           <pc:sldMk cId="2938863905" sldId="356"/>
         </pc:sldMkLst>
-      </pc:sldChg>
-    </pc:docChg>
-  </pc:docChgLst>
-  <pc:docChgLst>
-    <pc:chgData name="Serafin Patryk" userId="ce8cf8d3-b140-43f7-9541-10745587815e" providerId="ADAL" clId="{5A533EE0-532D-4D5B-9C18-E55E46EF6896}"/>
-    <pc:docChg chg="delSld modSld">
-      <pc:chgData name="Serafin Patryk" userId="ce8cf8d3-b140-43f7-9541-10745587815e" providerId="ADAL" clId="{5A533EE0-532D-4D5B-9C18-E55E46EF6896}" dt="2024-03-04T08:54:00.802" v="1" actId="47"/>
-      <pc:docMkLst>
-        <pc:docMk/>
-      </pc:docMkLst>
-      <pc:sldChg chg="del">
-        <pc:chgData name="Serafin Patryk" userId="ce8cf8d3-b140-43f7-9541-10745587815e" providerId="ADAL" clId="{5A533EE0-532D-4D5B-9C18-E55E46EF6896}" dt="2024-03-04T08:54:00.802" v="1" actId="47"/>
-        <pc:sldMkLst>
-          <pc:docMk/>
-          <pc:sldMk cId="1140178177" sldId="372"/>
-        </pc:sldMkLst>
-      </pc:sldChg>
-      <pc:sldChg chg="modSp">
-        <pc:chgData name="Serafin Patryk" userId="ce8cf8d3-b140-43f7-9541-10745587815e" providerId="ADAL" clId="{5A533EE0-532D-4D5B-9C18-E55E46EF6896}" dt="2024-03-04T08:53:48.585" v="0"/>
-        <pc:sldMkLst>
-          <pc:docMk/>
-          <pc:sldMk cId="3265729095" sldId="380"/>
-        </pc:sldMkLst>
-        <pc:graphicFrameChg chg="mod">
-          <ac:chgData name="Serafin Patryk" userId="ce8cf8d3-b140-43f7-9541-10745587815e" providerId="ADAL" clId="{5A533EE0-532D-4D5B-9C18-E55E46EF6896}" dt="2024-03-04T08:53:48.585" v="0"/>
-          <ac:graphicFrameMkLst>
-            <pc:docMk/>
-            <pc:sldMk cId="3265729095" sldId="380"/>
-            <ac:graphicFrameMk id="5" creationId="{38AFD5B6-14B2-5406-7B58-8ECF49A7F922}"/>
-          </ac:graphicFrameMkLst>
-        </pc:graphicFrameChg>
       </pc:sldChg>
     </pc:docChg>
   </pc:docChgLst>
@@ -9623,7 +9653,7 @@
           <p:nvPr>
             <p:extLst>
               <p:ext uri="{D42A27DB-BD31-4B8C-83A1-F6EECF244321}">
-                <p14:modId xmlns:p14="http://schemas.microsoft.com/office/powerpoint/2010/main" val="2051411661"/>
+                <p14:modId xmlns:p14="http://schemas.microsoft.com/office/powerpoint/2010/main" val="3140543877"/>
               </p:ext>
             </p:extLst>
           </p:nvPr>
@@ -14110,7 +14140,7 @@
           <p:nvPr>
             <p:extLst>
               <p:ext uri="{D42A27DB-BD31-4B8C-83A1-F6EECF244321}">
-                <p14:modId xmlns:p14="http://schemas.microsoft.com/office/powerpoint/2010/main" val="852304618"/>
+                <p14:modId xmlns:p14="http://schemas.microsoft.com/office/powerpoint/2010/main" val="2176559449"/>
               </p:ext>
             </p:extLst>
           </p:nvPr>
@@ -17005,7 +17035,7 @@
           <p:nvPr>
             <p:extLst>
               <p:ext uri="{D42A27DB-BD31-4B8C-83A1-F6EECF244321}">
-                <p14:modId xmlns:p14="http://schemas.microsoft.com/office/powerpoint/2010/main" val="1195311432"/>
+                <p14:modId xmlns:p14="http://schemas.microsoft.com/office/powerpoint/2010/main" val="4053884349"/>
               </p:ext>
             </p:extLst>
           </p:nvPr>
@@ -17496,7 +17526,7 @@
                     <a:p>
                       <a:pPr algn="ctr"/>
                       <a:r>
-                        <a:rPr lang="pl-PL" sz="1000"/>
+                        <a:rPr lang="pl-PL" sz="1000" dirty="0"/>
                         <a:t>1</a:t>
                       </a:r>
                     </a:p>
@@ -17510,7 +17540,7 @@
                     <a:p>
                       <a:pPr algn="ctr"/>
                       <a:r>
-                        <a:rPr lang="pl-PL" sz="1000"/>
+                        <a:rPr lang="pl-PL" sz="1000" dirty="0"/>
                         <a:t>Konrad</a:t>
                       </a:r>
                     </a:p>
@@ -17524,7 +17554,7 @@
                     <a:p>
                       <a:pPr algn="ctr"/>
                       <a:r>
-                        <a:rPr lang="pl-PL" sz="1000"/>
+                        <a:rPr lang="pl-PL" sz="1000" dirty="0"/>
                         <a:t>Kordian</a:t>
                       </a:r>
                     </a:p>
@@ -17538,7 +17568,7 @@
                     <a:p>
                       <a:pPr algn="ctr"/>
                       <a:r>
-                        <a:rPr lang="pl-PL" sz="1000"/>
+                        <a:rPr lang="pl-PL" sz="1000" dirty="0"/>
                         <a:t>Kwiatowa</a:t>
                       </a:r>
                     </a:p>
@@ -17552,7 +17582,7 @@
                     <a:p>
                       <a:pPr algn="ctr"/>
                       <a:r>
-                        <a:rPr lang="pl-PL" sz="1000"/>
+                        <a:rPr lang="pl-PL" sz="1000" dirty="0"/>
                         <a:t>1</a:t>
                       </a:r>
                     </a:p>
@@ -17566,7 +17596,7 @@
                     <a:p>
                       <a:pPr algn="ctr"/>
                       <a:r>
-                        <a:rPr lang="pl-PL" sz="1000"/>
+                        <a:rPr lang="pl-PL" sz="1000" dirty="0"/>
                         <a:t>8</a:t>
                       </a:r>
                     </a:p>
@@ -17580,7 +17610,7 @@
                     <a:p>
                       <a:pPr algn="ctr"/>
                       <a:r>
-                        <a:rPr lang="pl-PL" sz="1000"/>
+                        <a:rPr lang="pl-PL" sz="1000" dirty="0"/>
                         <a:t>Szczecin</a:t>
                       </a:r>
                     </a:p>
@@ -17594,7 +17624,7 @@
                     <a:p>
                       <a:pPr algn="ctr"/>
                       <a:r>
-                        <a:rPr lang="pl-PL" sz="1000"/>
+                        <a:rPr lang="pl-PL" sz="1000" dirty="0"/>
                         <a:t>Niemcy</a:t>
                       </a:r>
                     </a:p>
@@ -17622,7 +17652,7 @@
                     <a:p>
                       <a:pPr algn="ctr"/>
                       <a:r>
-                        <a:rPr lang="pl-PL" sz="1000"/>
+                        <a:rPr lang="pl-PL" sz="1000" dirty="0"/>
                         <a:t>151 1234567</a:t>
                       </a:r>
                     </a:p>
@@ -17636,7 +17666,7 @@
                     <a:p>
                       <a:pPr algn="ctr"/>
                       <a:r>
-                        <a:rPr lang="pl-PL" sz="1100"/>
+                        <a:rPr lang="pl-PL" sz="1100" dirty="0"/>
                         <a:t>Narty</a:t>
                       </a:r>
                     </a:p>
@@ -17664,7 +17694,7 @@
                     <a:p>
                       <a:pPr algn="ctr"/>
                       <a:r>
-                        <a:rPr lang="pl-PL" sz="1100"/>
+                        <a:rPr lang="pl-PL" sz="1100" dirty="0"/>
                         <a:t>1</a:t>
                       </a:r>
                     </a:p>
@@ -17685,6 +17715,62 @@
                     <a:p>
                       <a:pPr algn="ctr"/>
                       <a:r>
+                        <a:rPr lang="pl-PL" sz="1000" dirty="0"/>
+                        <a:t>2</a:t>
+                      </a:r>
+                    </a:p>
+                  </a:txBody>
+                  <a:tcPr marL="83686" marR="83686" marT="41843" marB="41843" anchor="ctr"/>
+                </a:tc>
+                <a:tc>
+                  <a:txBody>
+                    <a:bodyPr/>
+                    <a:lstStyle/>
+                    <a:p>
+                      <a:pPr algn="ctr"/>
+                      <a:r>
+                        <a:rPr lang="pl-PL" sz="1000" dirty="0"/>
+                        <a:t>Jan</a:t>
+                      </a:r>
+                    </a:p>
+                  </a:txBody>
+                  <a:tcPr marL="83686" marR="83686" marT="41843" marB="41843" anchor="ctr"/>
+                </a:tc>
+                <a:tc>
+                  <a:txBody>
+                    <a:bodyPr/>
+                    <a:lstStyle/>
+                    <a:p>
+                      <a:pPr algn="ctr"/>
+                      <a:r>
+                        <a:rPr lang="pl-PL" sz="1000" dirty="0"/>
+                        <a:t>Kowalski</a:t>
+                      </a:r>
+                    </a:p>
+                  </a:txBody>
+                  <a:tcPr marL="83686" marR="83686" marT="41843" marB="41843" anchor="ctr"/>
+                </a:tc>
+                <a:tc>
+                  <a:txBody>
+                    <a:bodyPr/>
+                    <a:lstStyle/>
+                    <a:p>
+                      <a:pPr algn="ctr"/>
+                      <a:r>
+                        <a:rPr lang="pl-PL" sz="1000"/>
+                        <a:t>Kaliskiego</a:t>
+                      </a:r>
+                    </a:p>
+                  </a:txBody>
+                  <a:tcPr marL="83686" marR="83686" marT="41843" marB="41843" anchor="ctr"/>
+                </a:tc>
+                <a:tc>
+                  <a:txBody>
+                    <a:bodyPr/>
+                    <a:lstStyle/>
+                    <a:p>
+                      <a:pPr algn="ctr"/>
+                      <a:r>
                         <a:rPr lang="pl-PL" sz="1000"/>
                         <a:t>2</a:t>
                       </a:r>
@@ -17698,10 +17784,7 @@
                     <a:lstStyle/>
                     <a:p>
                       <a:pPr algn="ctr"/>
-                      <a:r>
-                        <a:rPr lang="pl-PL" sz="1000"/>
-                        <a:t>Jan</a:t>
-                      </a:r>
+                      <a:endParaRPr lang="pl-PL" sz="1000" dirty="0"/>
                     </a:p>
                   </a:txBody>
                   <a:tcPr marL="83686" marR="83686" marT="41843" marB="41843" anchor="ctr"/>
@@ -17713,8 +17796,8 @@
                     <a:p>
                       <a:pPr algn="ctr"/>
                       <a:r>
-                        <a:rPr lang="pl-PL" sz="1000"/>
-                        <a:t>Kowalski</a:t>
+                        <a:rPr lang="pl-PL" sz="1000" dirty="0"/>
+                        <a:t>Warszawa</a:t>
                       </a:r>
                     </a:p>
                   </a:txBody>
@@ -17727,8 +17810,8 @@
                     <a:p>
                       <a:pPr algn="ctr"/>
                       <a:r>
-                        <a:rPr lang="pl-PL" sz="1000"/>
-                        <a:t>Kaliskiego</a:t>
+                        <a:rPr lang="pl-PL" sz="1000" dirty="0"/>
+                        <a:t>Polska</a:t>
                       </a:r>
                     </a:p>
                   </a:txBody>
@@ -17741,60 +17824,7 @@
                     <a:p>
                       <a:pPr algn="ctr"/>
                       <a:r>
-                        <a:rPr lang="pl-PL" sz="1000"/>
-                        <a:t>2</a:t>
-                      </a:r>
-                    </a:p>
-                  </a:txBody>
-                  <a:tcPr marL="83686" marR="83686" marT="41843" marB="41843" anchor="ctr"/>
-                </a:tc>
-                <a:tc>
-                  <a:txBody>
-                    <a:bodyPr/>
-                    <a:lstStyle/>
-                    <a:p>
-                      <a:pPr algn="ctr"/>
-                      <a:endParaRPr lang="pl-PL" sz="1000"/>
-                    </a:p>
-                  </a:txBody>
-                  <a:tcPr marL="83686" marR="83686" marT="41843" marB="41843" anchor="ctr"/>
-                </a:tc>
-                <a:tc>
-                  <a:txBody>
-                    <a:bodyPr/>
-                    <a:lstStyle/>
-                    <a:p>
-                      <a:pPr algn="ctr"/>
-                      <a:r>
-                        <a:rPr lang="pl-PL" sz="1000"/>
-                        <a:t>Warszawa</a:t>
-                      </a:r>
-                    </a:p>
-                  </a:txBody>
-                  <a:tcPr marL="83686" marR="83686" marT="41843" marB="41843" anchor="ctr"/>
-                </a:tc>
-                <a:tc>
-                  <a:txBody>
-                    <a:bodyPr/>
-                    <a:lstStyle/>
-                    <a:p>
-                      <a:pPr algn="ctr"/>
-                      <a:r>
-                        <a:rPr lang="pl-PL" sz="1000"/>
-                        <a:t>Polska</a:t>
-                      </a:r>
-                    </a:p>
-                  </a:txBody>
-                  <a:tcPr marL="83686" marR="83686" marT="41843" marB="41843" anchor="ctr"/>
-                </a:tc>
-                <a:tc>
-                  <a:txBody>
-                    <a:bodyPr/>
-                    <a:lstStyle/>
-                    <a:p>
-                      <a:pPr algn="ctr"/>
-                      <a:r>
-                        <a:rPr lang="pl-PL" sz="1000"/>
+                        <a:rPr lang="pl-PL" sz="1000" dirty="0"/>
                         <a:t>+48</a:t>
                       </a:r>
                     </a:p>
@@ -17822,7 +17852,7 @@
                     <a:p>
                       <a:pPr algn="ctr"/>
                       <a:r>
-                        <a:rPr lang="pl-PL" sz="1100"/>
+                        <a:rPr lang="pl-PL" sz="1100" dirty="0"/>
                         <a:t>Kask</a:t>
                       </a:r>
                     </a:p>
@@ -17836,7 +17866,7 @@
                     <a:p>
                       <a:pPr algn="ctr"/>
                       <a:r>
-                        <a:rPr lang="pl-PL" sz="1100"/>
+                        <a:rPr lang="pl-PL" sz="1100" dirty="0"/>
                         <a:t>75</a:t>
                       </a:r>
                     </a:p>
